--- a/E-Series Project.pptx
+++ b/E-Series Project.pptx
@@ -5,12 +5,13 @@
     <p:sldMasterId id="2147483648" r:id="rId1"/>
   </p:sldMasterIdLst>
   <p:notesMasterIdLst>
-    <p:notesMasterId r:id="rId5"/>
+    <p:notesMasterId r:id="rId6"/>
   </p:notesMasterIdLst>
   <p:sldIdLst>
     <p:sldId id="256" r:id="rId2"/>
     <p:sldId id="257" r:id="rId3"/>
     <p:sldId id="258" r:id="rId4"/>
+    <p:sldId id="259" r:id="rId5"/>
   </p:sldIdLst>
   <p:sldSz cx="12192000" cy="6858000"/>
   <p:notesSz cx="6858000" cy="9144000"/>
@@ -6608,7 +6609,7 @@
           <a:graphicData uri="http://schemas.openxmlformats.org/presentationml/2006/ole">
             <mc:AlternateContent xmlns:mc="http://schemas.openxmlformats.org/markup-compatibility/2006">
               <mc:Choice xmlns:v="urn:schemas-microsoft-com:vml" Requires="v">
-                <p:oleObj spid="_x0000_s1027" name="Visio" r:id="rId4" imgW="10096356" imgH="7200900" progId="Visio.Drawing.15">
+                <p:oleObj spid="_x0000_s1034" name="Visio" r:id="rId4" imgW="10096356" imgH="7200900" progId="Visio.Drawing.15">
                   <p:embed/>
                 </p:oleObj>
               </mc:Choice>
@@ -6673,10 +6674,158 @@
           <a:chExt cx="0" cy="0"/>
         </a:xfrm>
       </p:grpSpPr>
+      <p:graphicFrame>
+        <p:nvGraphicFramePr>
+          <p:cNvPr id="2" name="Object 1"/>
+          <p:cNvGraphicFramePr>
+            <a:graphicFrameLocks noChangeAspect="1"/>
+          </p:cNvGraphicFramePr>
+          <p:nvPr>
+            <p:extLst>
+              <p:ext uri="{D42A27DB-BD31-4B8C-83A1-F6EECF244321}">
+                <p14:modId xmlns:p14="http://schemas.microsoft.com/office/powerpoint/2010/main" val="3627254042"/>
+              </p:ext>
+            </p:extLst>
+          </p:nvPr>
+        </p:nvGraphicFramePr>
+        <p:xfrm>
+          <a:off x="1328738" y="0"/>
+          <a:ext cx="9534525" cy="6772275"/>
+        </p:xfrm>
+        <a:graphic>
+          <a:graphicData uri="http://schemas.openxmlformats.org/presentationml/2006/ole">
+            <mc:AlternateContent xmlns:mc="http://schemas.openxmlformats.org/markup-compatibility/2006">
+              <mc:Choice xmlns:v="urn:schemas-microsoft-com:vml" Requires="v">
+                <p:oleObj spid="_x0000_s2056" name="Visio" r:id="rId3" imgW="9534681" imgH="6772147" progId="Visio.Drawing.15">
+                  <p:embed/>
+                </p:oleObj>
+              </mc:Choice>
+              <mc:Fallback>
+                <p:oleObj name="Visio" r:id="rId3" imgW="9534681" imgH="6772147" progId="Visio.Drawing.15">
+                  <p:embed/>
+                  <p:pic>
+                    <p:nvPicPr>
+                      <p:cNvPr id="0" name=""/>
+                      <p:cNvPicPr/>
+                      <p:nvPr/>
+                    </p:nvPicPr>
+                    <p:blipFill>
+                      <a:blip r:embed="rId4"/>
+                      <a:stretch>
+                        <a:fillRect/>
+                      </a:stretch>
+                    </p:blipFill>
+                    <p:spPr>
+                      <a:xfrm>
+                        <a:off x="1328738" y="0"/>
+                        <a:ext cx="9534525" cy="6772275"/>
+                      </a:xfrm>
+                      <a:prstGeom prst="rect">
+                        <a:avLst/>
+                      </a:prstGeom>
+                    </p:spPr>
+                  </p:pic>
+                </p:oleObj>
+              </mc:Fallback>
+            </mc:AlternateContent>
+          </a:graphicData>
+        </a:graphic>
+      </p:graphicFrame>
     </p:spTree>
     <p:extLst>
       <p:ext uri="{BB962C8B-B14F-4D97-AF65-F5344CB8AC3E}">
         <p14:creationId xmlns:p14="http://schemas.microsoft.com/office/powerpoint/2010/main" val="2716355217"/>
+      </p:ext>
+    </p:extLst>
+  </p:cSld>
+  <p:clrMapOvr>
+    <a:masterClrMapping/>
+  </p:clrMapOvr>
+</p:sld>
+</file>
+
+<file path=ppt/slides/slide4.xml><?xml version="1.0" encoding="utf-8"?>
+<p:sld xmlns:a="http://schemas.openxmlformats.org/drawingml/2006/main" xmlns:r="http://schemas.openxmlformats.org/officeDocument/2006/relationships" xmlns:p="http://schemas.openxmlformats.org/presentationml/2006/main">
+  <p:cSld>
+    <p:spTree>
+      <p:nvGrpSpPr>
+        <p:cNvPr id="1" name=""/>
+        <p:cNvGrpSpPr/>
+        <p:nvPr/>
+      </p:nvGrpSpPr>
+      <p:grpSpPr>
+        <a:xfrm>
+          <a:off x="0" y="0"/>
+          <a:ext cx="0" cy="0"/>
+          <a:chOff x="0" y="0"/>
+          <a:chExt cx="0" cy="0"/>
+        </a:xfrm>
+      </p:grpSpPr>
+      <p:pic>
+        <p:nvPicPr>
+          <p:cNvPr id="5" name="Picture 4"/>
+          <p:cNvPicPr>
+            <a:picLocks noChangeAspect="1"/>
+          </p:cNvPicPr>
+          <p:nvPr/>
+        </p:nvPicPr>
+        <p:blipFill>
+          <a:blip r:embed="rId2">
+            <a:extLst>
+              <a:ext uri="{28A0092B-C50C-407E-A947-70E740481C1C}">
+                <a14:useLocalDpi xmlns:a14="http://schemas.microsoft.com/office/drawing/2010/main" val="0"/>
+              </a:ext>
+            </a:extLst>
+          </a:blip>
+          <a:stretch>
+            <a:fillRect/>
+          </a:stretch>
+        </p:blipFill>
+        <p:spPr>
+          <a:xfrm>
+            <a:off x="370703" y="832020"/>
+            <a:ext cx="11574161" cy="5667634"/>
+          </a:xfrm>
+          <a:prstGeom prst="rect">
+            <a:avLst/>
+          </a:prstGeom>
+        </p:spPr>
+      </p:pic>
+      <p:sp>
+        <p:nvSpPr>
+          <p:cNvPr id="6" name="TextBox 5"/>
+          <p:cNvSpPr txBox="1"/>
+          <p:nvPr/>
+        </p:nvSpPr>
+        <p:spPr>
+          <a:xfrm>
+            <a:off x="3484605" y="263611"/>
+            <a:ext cx="3888260" cy="369332"/>
+          </a:xfrm>
+          <a:prstGeom prst="rect">
+            <a:avLst/>
+          </a:prstGeom>
+          <a:noFill/>
+        </p:spPr>
+        <p:txBody>
+          <a:bodyPr wrap="square" rtlCol="1">
+            <a:spAutoFit/>
+          </a:bodyPr>
+          <a:lstStyle/>
+          <a:p>
+            <a:pPr algn="ctr"/>
+            <a:r>
+              <a:rPr lang="en-US" dirty="0" smtClean="0"/>
+              <a:t>UML</a:t>
+            </a:r>
+            <a:endParaRPr lang="he-IL" dirty="0"/>
+          </a:p>
+        </p:txBody>
+      </p:sp>
+    </p:spTree>
+    <p:extLst>
+      <p:ext uri="{BB962C8B-B14F-4D97-AF65-F5344CB8AC3E}">
+        <p14:creationId xmlns:p14="http://schemas.microsoft.com/office/powerpoint/2010/main" val="583062106"/>
       </p:ext>
     </p:extLst>
   </p:cSld>

--- a/E-Series Project.pptx
+++ b/E-Series Project.pptx
@@ -1,17 +1,26 @@
 
 <file path=ppt/presentation.xml><?xml version="1.0" encoding="utf-8"?>
-<p:presentation xmlns:a="http://schemas.openxmlformats.org/drawingml/2006/main" xmlns:r="http://schemas.openxmlformats.org/officeDocument/2006/relationships" xmlns:p="http://schemas.openxmlformats.org/presentationml/2006/main" autoCompressPictures="0">
+<p:presentation xmlns:a="http://schemas.openxmlformats.org/drawingml/2006/main" xmlns:r="http://schemas.openxmlformats.org/officeDocument/2006/relationships" xmlns:p="http://schemas.openxmlformats.org/presentationml/2006/main" autoCompressPictures="0" bookmarkIdSeed="2">
   <p:sldMasterIdLst>
     <p:sldMasterId id="2147483648" r:id="rId1"/>
   </p:sldMasterIdLst>
   <p:notesMasterIdLst>
-    <p:notesMasterId r:id="rId6"/>
+    <p:notesMasterId r:id="rId15"/>
   </p:notesMasterIdLst>
   <p:sldIdLst>
     <p:sldId id="256" r:id="rId2"/>
     <p:sldId id="257" r:id="rId3"/>
     <p:sldId id="258" r:id="rId4"/>
     <p:sldId id="259" r:id="rId5"/>
+    <p:sldId id="261" r:id="rId6"/>
+    <p:sldId id="262" r:id="rId7"/>
+    <p:sldId id="260" r:id="rId8"/>
+    <p:sldId id="263" r:id="rId9"/>
+    <p:sldId id="264" r:id="rId10"/>
+    <p:sldId id="265" r:id="rId11"/>
+    <p:sldId id="266" r:id="rId12"/>
+    <p:sldId id="267" r:id="rId13"/>
+    <p:sldId id="268" r:id="rId14"/>
   </p:sldIdLst>
   <p:sldSz cx="12192000" cy="6858000"/>
   <p:notesSz cx="6858000" cy="9144000"/>
@@ -6539,6 +6548,1506 @@
 </p:sld>
 </file>
 
+<file path=ppt/slides/slide10.xml><?xml version="1.0" encoding="utf-8"?>
+<p:sld xmlns:a="http://schemas.openxmlformats.org/drawingml/2006/main" xmlns:r="http://schemas.openxmlformats.org/officeDocument/2006/relationships" xmlns:p="http://schemas.openxmlformats.org/presentationml/2006/main">
+  <p:cSld>
+    <p:spTree>
+      <p:nvGrpSpPr>
+        <p:cNvPr id="1" name=""/>
+        <p:cNvGrpSpPr/>
+        <p:nvPr/>
+      </p:nvGrpSpPr>
+      <p:grpSpPr>
+        <a:xfrm>
+          <a:off x="0" y="0"/>
+          <a:ext cx="0" cy="0"/>
+          <a:chOff x="0" y="0"/>
+          <a:chExt cx="0" cy="0"/>
+        </a:xfrm>
+      </p:grpSpPr>
+      <p:sp>
+        <p:nvSpPr>
+          <p:cNvPr id="5" name="Rectangle 13"/>
+          <p:cNvSpPr>
+            <a:spLocks noChangeArrowheads="1"/>
+          </p:cNvSpPr>
+          <p:nvPr/>
+        </p:nvSpPr>
+        <p:spPr bwMode="auto">
+          <a:xfrm>
+            <a:off x="3392425" y="601432"/>
+            <a:ext cx="5358384" cy="707886"/>
+          </a:xfrm>
+          <a:prstGeom prst="rect">
+            <a:avLst/>
+          </a:prstGeom>
+          <a:noFill/>
+          <a:ln>
+            <a:noFill/>
+          </a:ln>
+          <a:effectLst/>
+          <a:extLst>
+            <a:ext uri="{909E8E84-426E-40DD-AFC4-6F175D3DCCD1}">
+              <a14:hiddenFill xmlns:a14="http://schemas.microsoft.com/office/drawing/2010/main">
+                <a:solidFill>
+                  <a:schemeClr val="accent1"/>
+                </a:solidFill>
+              </a14:hiddenFill>
+            </a:ext>
+            <a:ext uri="{91240B29-F687-4F45-9708-019B960494DF}">
+              <a14:hiddenLine xmlns:a14="http://schemas.microsoft.com/office/drawing/2010/main" w="9525">
+                <a:solidFill>
+                  <a:schemeClr val="tx1"/>
+                </a:solidFill>
+                <a:miter lim="800000"/>
+                <a:headEnd/>
+                <a:tailEnd/>
+              </a14:hiddenLine>
+            </a:ext>
+            <a:ext uri="{AF507438-7753-43E0-B8FC-AC1667EBCBE1}">
+              <a14:hiddenEffects xmlns:a14="http://schemas.microsoft.com/office/drawing/2010/main">
+                <a:effectLst>
+                  <a:outerShdw dist="35921" dir="2700000" algn="ctr" rotWithShape="0">
+                    <a:schemeClr val="bg2"/>
+                  </a:outerShdw>
+                </a:effectLst>
+              </a14:hiddenEffects>
+            </a:ext>
+          </a:extLst>
+        </p:spPr>
+        <p:txBody>
+          <a:bodyPr vert="horz" wrap="square" lIns="91440" tIns="45720" rIns="91440" bIns="45720" numCol="1" anchor="ctr" anchorCtr="0" compatLnSpc="1">
+            <a:prstTxWarp prst="textNoShape">
+              <a:avLst/>
+            </a:prstTxWarp>
+            <a:spAutoFit/>
+          </a:bodyPr>
+          <a:lstStyle/>
+          <a:p>
+            <a:pPr marL="0" marR="0" lvl="0" indent="0" algn="ctr" defTabSz="914400" rtl="1" eaLnBrk="0" fontAlgn="base" latinLnBrk="0" hangingPunct="0">
+              <a:lnSpc>
+                <a:spcPct val="100000"/>
+              </a:lnSpc>
+              <a:spcBef>
+                <a:spcPct val="0"/>
+              </a:spcBef>
+              <a:spcAft>
+                <a:spcPct val="0"/>
+              </a:spcAft>
+              <a:buClrTx/>
+              <a:buSzTx/>
+              <a:buFontTx/>
+              <a:buNone/>
+              <a:tabLst/>
+            </a:pPr>
+            <a:r>
+              <a:rPr kumimoji="0" lang="he-IL" altLang="he-IL" sz="2000" b="0" i="0" u="none" strike="noStrike" cap="none" normalizeH="0" baseline="0" dirty="0" smtClean="0">
+                <a:ln>
+                  <a:noFill/>
+                </a:ln>
+                <a:solidFill>
+                  <a:schemeClr val="tx1"/>
+                </a:solidFill>
+                <a:effectLst/>
+                <a:latin typeface="Calibri" panose="020F0502020204030204" pitchFamily="34" charset="0"/>
+                <a:ea typeface="Times New Roman" panose="02020603050405020304" pitchFamily="18" charset="0"/>
+                <a:cs typeface="Arial" panose="020B0604020202020204" pitchFamily="34" charset="0"/>
+              </a:rPr>
+              <a:t>אם נלחץ על סלייס בצבע אדום, נניח </a:t>
+            </a:r>
+            <a:r>
+              <a:rPr kumimoji="0" lang="en-GB" altLang="he-IL" sz="2000" b="0" i="0" u="none" strike="noStrike" cap="none" normalizeH="0" baseline="0" dirty="0" err="1" smtClean="0">
+                <a:ln>
+                  <a:noFill/>
+                </a:ln>
+                <a:solidFill>
+                  <a:schemeClr val="tx1"/>
+                </a:solidFill>
+                <a:effectLst/>
+                <a:latin typeface="Calibri" panose="020F0502020204030204" pitchFamily="34" charset="0"/>
+                <a:ea typeface="Times New Roman" panose="02020603050405020304" pitchFamily="18" charset="0"/>
+                <a:cs typeface="Arial" panose="020B0604020202020204" pitchFamily="34" charset="0"/>
+              </a:rPr>
+              <a:t>Vols&amp;Pools</a:t>
+            </a:r>
+            <a:r>
+              <a:rPr kumimoji="0" lang="en-GB" altLang="he-IL" sz="2000" b="0" i="0" u="none" strike="noStrike" cap="none" normalizeH="0" baseline="0" dirty="0" smtClean="0">
+                <a:ln>
+                  <a:noFill/>
+                </a:ln>
+                <a:solidFill>
+                  <a:schemeClr val="tx1"/>
+                </a:solidFill>
+                <a:effectLst/>
+                <a:latin typeface="Calibri" panose="020F0502020204030204" pitchFamily="34" charset="0"/>
+                <a:ea typeface="Times New Roman" panose="02020603050405020304" pitchFamily="18" charset="0"/>
+                <a:cs typeface="Arial" panose="020B0604020202020204" pitchFamily="34" charset="0"/>
+              </a:rPr>
+              <a:t> </a:t>
+            </a:r>
+            <a:r>
+              <a:rPr lang="he-IL" altLang="he-IL" sz="2000" dirty="0">
+                <a:latin typeface="Calibri" panose="020F0502020204030204" pitchFamily="34" charset="0"/>
+                <a:ea typeface="Times New Roman" panose="02020603050405020304" pitchFamily="18" charset="0"/>
+                <a:cs typeface="Arial" panose="020B0604020202020204" pitchFamily="34" charset="0"/>
+              </a:rPr>
+              <a:t> </a:t>
+            </a:r>
+            <a:r>
+              <a:rPr lang="he-IL" altLang="he-IL" sz="2000" dirty="0" smtClean="0">
+                <a:latin typeface="Calibri" panose="020F0502020204030204" pitchFamily="34" charset="0"/>
+                <a:ea typeface="Times New Roman" panose="02020603050405020304" pitchFamily="18" charset="0"/>
+                <a:cs typeface="Arial" panose="020B0604020202020204" pitchFamily="34" charset="0"/>
+              </a:rPr>
+              <a:t>ייפתח מסך היציג את פרטי התקלה (אנטר)</a:t>
+            </a:r>
+            <a:endParaRPr kumimoji="0" lang="en-US" altLang="he-IL" sz="1100" b="0" i="0" u="none" strike="noStrike" cap="none" normalizeH="0" baseline="0" dirty="0" smtClean="0">
+              <a:ln>
+                <a:noFill/>
+              </a:ln>
+              <a:solidFill>
+                <a:schemeClr val="tx1"/>
+              </a:solidFill>
+              <a:effectLst/>
+              <a:latin typeface="Arial" panose="020B0604020202020204" pitchFamily="34" charset="0"/>
+              <a:cs typeface="Arial" panose="020B0604020202020204" pitchFamily="34" charset="0"/>
+            </a:endParaRPr>
+          </a:p>
+        </p:txBody>
+      </p:sp>
+      <p:pic>
+        <p:nvPicPr>
+          <p:cNvPr id="6" name="Picture 5"/>
+          <p:cNvPicPr>
+            <a:picLocks noChangeAspect="1"/>
+          </p:cNvPicPr>
+          <p:nvPr/>
+        </p:nvPicPr>
+        <p:blipFill>
+          <a:blip r:embed="rId2"/>
+          <a:stretch>
+            <a:fillRect/>
+          </a:stretch>
+        </p:blipFill>
+        <p:spPr>
+          <a:xfrm>
+            <a:off x="1944129" y="1677428"/>
+            <a:ext cx="7891849" cy="4439165"/>
+          </a:xfrm>
+          <a:prstGeom prst="rect">
+            <a:avLst/>
+          </a:prstGeom>
+        </p:spPr>
+      </p:pic>
+      <p:pic>
+        <p:nvPicPr>
+          <p:cNvPr id="2" name="Picture 1"/>
+          <p:cNvPicPr>
+            <a:picLocks noChangeAspect="1"/>
+          </p:cNvPicPr>
+          <p:nvPr/>
+        </p:nvPicPr>
+        <p:blipFill>
+          <a:blip r:embed="rId3"/>
+          <a:stretch>
+            <a:fillRect/>
+          </a:stretch>
+        </p:blipFill>
+        <p:spPr>
+          <a:xfrm>
+            <a:off x="1944129" y="1677427"/>
+            <a:ext cx="7891849" cy="4439165"/>
+          </a:xfrm>
+          <a:prstGeom prst="rect">
+            <a:avLst/>
+          </a:prstGeom>
+        </p:spPr>
+      </p:pic>
+    </p:spTree>
+    <p:extLst>
+      <p:ext uri="{BB962C8B-B14F-4D97-AF65-F5344CB8AC3E}">
+        <p14:creationId xmlns:p14="http://schemas.microsoft.com/office/powerpoint/2010/main" val="2005517608"/>
+      </p:ext>
+    </p:extLst>
+  </p:cSld>
+  <p:clrMapOvr>
+    <a:masterClrMapping/>
+  </p:clrMapOvr>
+  <mc:AlternateContent xmlns:mc="http://schemas.openxmlformats.org/markup-compatibility/2006">
+    <mc:Choice xmlns:p14="http://schemas.microsoft.com/office/powerpoint/2010/main" Requires="p14">
+      <p:transition p14:dur="0"/>
+    </mc:Choice>
+    <mc:Fallback>
+      <p:transition/>
+    </mc:Fallback>
+  </mc:AlternateContent>
+  <p:timing>
+    <p:tnLst>
+      <p:par>
+        <p:cTn id="1" dur="indefinite" restart="never" nodeType="tmRoot">
+          <p:childTnLst>
+            <p:seq concurrent="1" nextAc="seek">
+              <p:cTn id="2" dur="indefinite" nodeType="mainSeq">
+                <p:childTnLst>
+                  <p:par>
+                    <p:cTn id="3" fill="hold">
+                      <p:stCondLst>
+                        <p:cond delay="indefinite"/>
+                      </p:stCondLst>
+                      <p:childTnLst>
+                        <p:par>
+                          <p:cTn id="4" fill="hold">
+                            <p:stCondLst>
+                              <p:cond delay="0"/>
+                            </p:stCondLst>
+                            <p:childTnLst>
+                              <p:par>
+                                <p:cTn id="5" presetID="10" presetClass="entr" presetSubtype="0" fill="hold" nodeType="clickEffect">
+                                  <p:stCondLst>
+                                    <p:cond delay="0"/>
+                                  </p:stCondLst>
+                                  <p:childTnLst>
+                                    <p:set>
+                                      <p:cBhvr>
+                                        <p:cTn id="6" dur="1" fill="hold">
+                                          <p:stCondLst>
+                                            <p:cond delay="0"/>
+                                          </p:stCondLst>
+                                        </p:cTn>
+                                        <p:tgtEl>
+                                          <p:spTgt spid="2"/>
+                                        </p:tgtEl>
+                                        <p:attrNameLst>
+                                          <p:attrName>style.visibility</p:attrName>
+                                        </p:attrNameLst>
+                                      </p:cBhvr>
+                                      <p:to>
+                                        <p:strVal val="visible"/>
+                                      </p:to>
+                                    </p:set>
+                                    <p:animEffect transition="in" filter="fade">
+                                      <p:cBhvr>
+                                        <p:cTn id="7" dur="500"/>
+                                        <p:tgtEl>
+                                          <p:spTgt spid="2"/>
+                                        </p:tgtEl>
+                                      </p:cBhvr>
+                                    </p:animEffect>
+                                  </p:childTnLst>
+                                </p:cTn>
+                              </p:par>
+                            </p:childTnLst>
+                          </p:cTn>
+                        </p:par>
+                      </p:childTnLst>
+                    </p:cTn>
+                  </p:par>
+                </p:childTnLst>
+              </p:cTn>
+              <p:prevCondLst>
+                <p:cond evt="onPrev" delay="0">
+                  <p:tgtEl>
+                    <p:sldTgt/>
+                  </p:tgtEl>
+                </p:cond>
+              </p:prevCondLst>
+              <p:nextCondLst>
+                <p:cond evt="onNext" delay="0">
+                  <p:tgtEl>
+                    <p:sldTgt/>
+                  </p:tgtEl>
+                </p:cond>
+              </p:nextCondLst>
+            </p:seq>
+          </p:childTnLst>
+        </p:cTn>
+      </p:par>
+    </p:tnLst>
+  </p:timing>
+</p:sld>
+</file>
+
+<file path=ppt/slides/slide11.xml><?xml version="1.0" encoding="utf-8"?>
+<p:sld xmlns:a="http://schemas.openxmlformats.org/drawingml/2006/main" xmlns:r="http://schemas.openxmlformats.org/officeDocument/2006/relationships" xmlns:p="http://schemas.openxmlformats.org/presentationml/2006/main">
+  <p:cSld>
+    <p:spTree>
+      <p:nvGrpSpPr>
+        <p:cNvPr id="1" name=""/>
+        <p:cNvGrpSpPr/>
+        <p:nvPr/>
+      </p:nvGrpSpPr>
+      <p:grpSpPr>
+        <a:xfrm>
+          <a:off x="0" y="0"/>
+          <a:ext cx="0" cy="0"/>
+          <a:chOff x="0" y="0"/>
+          <a:chExt cx="0" cy="0"/>
+        </a:xfrm>
+      </p:grpSpPr>
+      <p:sp>
+        <p:nvSpPr>
+          <p:cNvPr id="5" name="Rectangle 13"/>
+          <p:cNvSpPr>
+            <a:spLocks noChangeArrowheads="1"/>
+          </p:cNvSpPr>
+          <p:nvPr/>
+        </p:nvSpPr>
+        <p:spPr bwMode="auto">
+          <a:xfrm>
+            <a:off x="3392425" y="293656"/>
+            <a:ext cx="5358384" cy="1323439"/>
+          </a:xfrm>
+          <a:prstGeom prst="rect">
+            <a:avLst/>
+          </a:prstGeom>
+          <a:noFill/>
+          <a:ln>
+            <a:noFill/>
+          </a:ln>
+          <a:effectLst/>
+          <a:extLst>
+            <a:ext uri="{909E8E84-426E-40DD-AFC4-6F175D3DCCD1}">
+              <a14:hiddenFill xmlns:a14="http://schemas.microsoft.com/office/drawing/2010/main">
+                <a:solidFill>
+                  <a:schemeClr val="accent1"/>
+                </a:solidFill>
+              </a14:hiddenFill>
+            </a:ext>
+            <a:ext uri="{91240B29-F687-4F45-9708-019B960494DF}">
+              <a14:hiddenLine xmlns:a14="http://schemas.microsoft.com/office/drawing/2010/main" w="9525">
+                <a:solidFill>
+                  <a:schemeClr val="tx1"/>
+                </a:solidFill>
+                <a:miter lim="800000"/>
+                <a:headEnd/>
+                <a:tailEnd/>
+              </a14:hiddenLine>
+            </a:ext>
+            <a:ext uri="{AF507438-7753-43E0-B8FC-AC1667EBCBE1}">
+              <a14:hiddenEffects xmlns:a14="http://schemas.microsoft.com/office/drawing/2010/main">
+                <a:effectLst>
+                  <a:outerShdw dist="35921" dir="2700000" algn="ctr" rotWithShape="0">
+                    <a:schemeClr val="bg2"/>
+                  </a:outerShdw>
+                </a:effectLst>
+              </a14:hiddenEffects>
+            </a:ext>
+          </a:extLst>
+        </p:spPr>
+        <p:txBody>
+          <a:bodyPr vert="horz" wrap="square" lIns="91440" tIns="45720" rIns="91440" bIns="45720" numCol="1" anchor="ctr" anchorCtr="0" compatLnSpc="1">
+            <a:prstTxWarp prst="textNoShape">
+              <a:avLst/>
+            </a:prstTxWarp>
+            <a:spAutoFit/>
+          </a:bodyPr>
+          <a:lstStyle/>
+          <a:p>
+            <a:pPr marL="0" marR="0" lvl="0" indent="0" algn="ctr" defTabSz="914400" rtl="1" eaLnBrk="0" fontAlgn="base" latinLnBrk="0" hangingPunct="0">
+              <a:lnSpc>
+                <a:spcPct val="100000"/>
+              </a:lnSpc>
+              <a:spcBef>
+                <a:spcPct val="0"/>
+              </a:spcBef>
+              <a:spcAft>
+                <a:spcPct val="0"/>
+              </a:spcAft>
+              <a:buClrTx/>
+              <a:buSzTx/>
+              <a:buFontTx/>
+              <a:buNone/>
+              <a:tabLst/>
+            </a:pPr>
+            <a:r>
+              <a:rPr kumimoji="0" lang="he-IL" altLang="he-IL" sz="2000" b="0" i="0" u="none" strike="noStrike" cap="none" normalizeH="0" baseline="0" dirty="0" smtClean="0">
+                <a:ln>
+                  <a:noFill/>
+                </a:ln>
+                <a:solidFill>
+                  <a:schemeClr val="tx1"/>
+                </a:solidFill>
+                <a:effectLst/>
+                <a:latin typeface="Calibri" panose="020F0502020204030204" pitchFamily="34" charset="0"/>
+                <a:ea typeface="Times New Roman" panose="02020603050405020304" pitchFamily="18" charset="0"/>
+                <a:cs typeface="Arial" panose="020B0604020202020204" pitchFamily="34" charset="0"/>
+              </a:rPr>
+              <a:t>אם נלחץ על שם</a:t>
+            </a:r>
+            <a:r>
+              <a:rPr lang="he-IL" altLang="he-IL" sz="2000" dirty="0">
+                <a:latin typeface="Calibri" panose="020F0502020204030204" pitchFamily="34" charset="0"/>
+                <a:ea typeface="Times New Roman" panose="02020603050405020304" pitchFamily="18" charset="0"/>
+                <a:cs typeface="Arial" panose="020B0604020202020204" pitchFamily="34" charset="0"/>
+              </a:rPr>
+              <a:t> </a:t>
+            </a:r>
+            <a:r>
+              <a:rPr lang="he-IL" altLang="he-IL" sz="2000" dirty="0" smtClean="0">
+                <a:latin typeface="Calibri" panose="020F0502020204030204" pitchFamily="34" charset="0"/>
+                <a:ea typeface="Times New Roman" panose="02020603050405020304" pitchFamily="18" charset="0"/>
+                <a:cs typeface="Arial" panose="020B0604020202020204" pitchFamily="34" charset="0"/>
+              </a:rPr>
+              <a:t>המתמש, במקרה זה הוא מוגדר כמנהל, ייפתח תפריט ובו אפשרות גישה לדף ניהול, ואפשרות שקיימת לכל המשתמשים – לדווח על תקלה (אנטר)</a:t>
+            </a:r>
+            <a:endParaRPr kumimoji="0" lang="en-US" altLang="he-IL" sz="1100" b="0" i="0" u="none" strike="noStrike" cap="none" normalizeH="0" baseline="0" dirty="0" smtClean="0">
+              <a:ln>
+                <a:noFill/>
+              </a:ln>
+              <a:solidFill>
+                <a:schemeClr val="tx1"/>
+              </a:solidFill>
+              <a:effectLst/>
+              <a:latin typeface="Arial" panose="020B0604020202020204" pitchFamily="34" charset="0"/>
+              <a:cs typeface="Arial" panose="020B0604020202020204" pitchFamily="34" charset="0"/>
+            </a:endParaRPr>
+          </a:p>
+        </p:txBody>
+      </p:sp>
+      <p:pic>
+        <p:nvPicPr>
+          <p:cNvPr id="6" name="Picture 5"/>
+          <p:cNvPicPr>
+            <a:picLocks noChangeAspect="1"/>
+          </p:cNvPicPr>
+          <p:nvPr/>
+        </p:nvPicPr>
+        <p:blipFill>
+          <a:blip r:embed="rId2"/>
+          <a:stretch>
+            <a:fillRect/>
+          </a:stretch>
+        </p:blipFill>
+        <p:spPr>
+          <a:xfrm>
+            <a:off x="1944129" y="1677428"/>
+            <a:ext cx="7891849" cy="4439165"/>
+          </a:xfrm>
+          <a:prstGeom prst="rect">
+            <a:avLst/>
+          </a:prstGeom>
+        </p:spPr>
+      </p:pic>
+      <p:pic>
+        <p:nvPicPr>
+          <p:cNvPr id="3" name="Picture 2"/>
+          <p:cNvPicPr>
+            <a:picLocks noChangeAspect="1"/>
+          </p:cNvPicPr>
+          <p:nvPr/>
+        </p:nvPicPr>
+        <p:blipFill>
+          <a:blip r:embed="rId3"/>
+          <a:stretch>
+            <a:fillRect/>
+          </a:stretch>
+        </p:blipFill>
+        <p:spPr>
+          <a:xfrm>
+            <a:off x="1944129" y="1677427"/>
+            <a:ext cx="7891849" cy="4439165"/>
+          </a:xfrm>
+          <a:prstGeom prst="rect">
+            <a:avLst/>
+          </a:prstGeom>
+        </p:spPr>
+      </p:pic>
+    </p:spTree>
+    <p:extLst>
+      <p:ext uri="{BB962C8B-B14F-4D97-AF65-F5344CB8AC3E}">
+        <p14:creationId xmlns:p14="http://schemas.microsoft.com/office/powerpoint/2010/main" val="3279756339"/>
+      </p:ext>
+    </p:extLst>
+  </p:cSld>
+  <p:clrMapOvr>
+    <a:masterClrMapping/>
+  </p:clrMapOvr>
+  <mc:AlternateContent xmlns:mc="http://schemas.openxmlformats.org/markup-compatibility/2006">
+    <mc:Choice xmlns:p14="http://schemas.microsoft.com/office/powerpoint/2010/main" Requires="p14">
+      <p:transition p14:dur="0"/>
+    </mc:Choice>
+    <mc:Fallback>
+      <p:transition/>
+    </mc:Fallback>
+  </mc:AlternateContent>
+  <p:timing>
+    <p:tnLst>
+      <p:par>
+        <p:cTn id="1" dur="indefinite" restart="never" nodeType="tmRoot">
+          <p:childTnLst>
+            <p:seq concurrent="1" nextAc="seek">
+              <p:cTn id="2" dur="indefinite" nodeType="mainSeq">
+                <p:childTnLst>
+                  <p:par>
+                    <p:cTn id="3" fill="hold">
+                      <p:stCondLst>
+                        <p:cond delay="indefinite"/>
+                      </p:stCondLst>
+                      <p:childTnLst>
+                        <p:par>
+                          <p:cTn id="4" fill="hold">
+                            <p:stCondLst>
+                              <p:cond delay="0"/>
+                            </p:stCondLst>
+                            <p:childTnLst>
+                              <p:par>
+                                <p:cTn id="5" presetID="10" presetClass="entr" presetSubtype="0" fill="hold" nodeType="clickEffect">
+                                  <p:stCondLst>
+                                    <p:cond delay="0"/>
+                                  </p:stCondLst>
+                                  <p:childTnLst>
+                                    <p:set>
+                                      <p:cBhvr>
+                                        <p:cTn id="6" dur="1" fill="hold">
+                                          <p:stCondLst>
+                                            <p:cond delay="0"/>
+                                          </p:stCondLst>
+                                        </p:cTn>
+                                        <p:tgtEl>
+                                          <p:spTgt spid="3"/>
+                                        </p:tgtEl>
+                                        <p:attrNameLst>
+                                          <p:attrName>style.visibility</p:attrName>
+                                        </p:attrNameLst>
+                                      </p:cBhvr>
+                                      <p:to>
+                                        <p:strVal val="visible"/>
+                                      </p:to>
+                                    </p:set>
+                                    <p:animEffect transition="in" filter="fade">
+                                      <p:cBhvr>
+                                        <p:cTn id="7" dur="500"/>
+                                        <p:tgtEl>
+                                          <p:spTgt spid="3"/>
+                                        </p:tgtEl>
+                                      </p:cBhvr>
+                                    </p:animEffect>
+                                  </p:childTnLst>
+                                </p:cTn>
+                              </p:par>
+                            </p:childTnLst>
+                          </p:cTn>
+                        </p:par>
+                      </p:childTnLst>
+                    </p:cTn>
+                  </p:par>
+                </p:childTnLst>
+              </p:cTn>
+              <p:prevCondLst>
+                <p:cond evt="onPrev" delay="0">
+                  <p:tgtEl>
+                    <p:sldTgt/>
+                  </p:tgtEl>
+                </p:cond>
+              </p:prevCondLst>
+              <p:nextCondLst>
+                <p:cond evt="onNext" delay="0">
+                  <p:tgtEl>
+                    <p:sldTgt/>
+                  </p:tgtEl>
+                </p:cond>
+              </p:nextCondLst>
+            </p:seq>
+          </p:childTnLst>
+        </p:cTn>
+      </p:par>
+    </p:tnLst>
+  </p:timing>
+</p:sld>
+</file>
+
+<file path=ppt/slides/slide12.xml><?xml version="1.0" encoding="utf-8"?>
+<p:sld xmlns:a="http://schemas.openxmlformats.org/drawingml/2006/main" xmlns:r="http://schemas.openxmlformats.org/officeDocument/2006/relationships" xmlns:p="http://schemas.openxmlformats.org/presentationml/2006/main">
+  <p:cSld>
+    <p:spTree>
+      <p:nvGrpSpPr>
+        <p:cNvPr id="1" name=""/>
+        <p:cNvGrpSpPr/>
+        <p:nvPr/>
+      </p:nvGrpSpPr>
+      <p:grpSpPr>
+        <a:xfrm>
+          <a:off x="0" y="0"/>
+          <a:ext cx="0" cy="0"/>
+          <a:chOff x="0" y="0"/>
+          <a:chExt cx="0" cy="0"/>
+        </a:xfrm>
+      </p:grpSpPr>
+      <p:sp>
+        <p:nvSpPr>
+          <p:cNvPr id="5" name="Rectangle 13"/>
+          <p:cNvSpPr>
+            <a:spLocks noChangeArrowheads="1"/>
+          </p:cNvSpPr>
+          <p:nvPr/>
+        </p:nvSpPr>
+        <p:spPr bwMode="auto">
+          <a:xfrm>
+            <a:off x="3392425" y="755320"/>
+            <a:ext cx="5358384" cy="400110"/>
+          </a:xfrm>
+          <a:prstGeom prst="rect">
+            <a:avLst/>
+          </a:prstGeom>
+          <a:noFill/>
+          <a:ln>
+            <a:noFill/>
+          </a:ln>
+          <a:effectLst/>
+          <a:extLst>
+            <a:ext uri="{909E8E84-426E-40DD-AFC4-6F175D3DCCD1}">
+              <a14:hiddenFill xmlns:a14="http://schemas.microsoft.com/office/drawing/2010/main">
+                <a:solidFill>
+                  <a:schemeClr val="accent1"/>
+                </a:solidFill>
+              </a14:hiddenFill>
+            </a:ext>
+            <a:ext uri="{91240B29-F687-4F45-9708-019B960494DF}">
+              <a14:hiddenLine xmlns:a14="http://schemas.microsoft.com/office/drawing/2010/main" w="9525">
+                <a:solidFill>
+                  <a:schemeClr val="tx1"/>
+                </a:solidFill>
+                <a:miter lim="800000"/>
+                <a:headEnd/>
+                <a:tailEnd/>
+              </a14:hiddenLine>
+            </a:ext>
+            <a:ext uri="{AF507438-7753-43E0-B8FC-AC1667EBCBE1}">
+              <a14:hiddenEffects xmlns:a14="http://schemas.microsoft.com/office/drawing/2010/main">
+                <a:effectLst>
+                  <a:outerShdw dist="35921" dir="2700000" algn="ctr" rotWithShape="0">
+                    <a:schemeClr val="bg2"/>
+                  </a:outerShdw>
+                </a:effectLst>
+              </a14:hiddenEffects>
+            </a:ext>
+          </a:extLst>
+        </p:spPr>
+        <p:txBody>
+          <a:bodyPr vert="horz" wrap="square" lIns="91440" tIns="45720" rIns="91440" bIns="45720" numCol="1" anchor="ctr" anchorCtr="0" compatLnSpc="1">
+            <a:prstTxWarp prst="textNoShape">
+              <a:avLst/>
+            </a:prstTxWarp>
+            <a:spAutoFit/>
+          </a:bodyPr>
+          <a:lstStyle/>
+          <a:p>
+            <a:pPr marL="0" marR="0" lvl="0" indent="0" algn="ctr" defTabSz="914400" rtl="1" eaLnBrk="0" fontAlgn="base" latinLnBrk="0" hangingPunct="0">
+              <a:lnSpc>
+                <a:spcPct val="100000"/>
+              </a:lnSpc>
+              <a:spcBef>
+                <a:spcPct val="0"/>
+              </a:spcBef>
+              <a:spcAft>
+                <a:spcPct val="0"/>
+              </a:spcAft>
+              <a:buClrTx/>
+              <a:buSzTx/>
+              <a:buFontTx/>
+              <a:buNone/>
+              <a:tabLst/>
+            </a:pPr>
+            <a:r>
+              <a:rPr kumimoji="0" lang="he-IL" altLang="he-IL" sz="2000" b="0" i="0" u="none" strike="noStrike" cap="none" normalizeH="0" baseline="0" dirty="0" smtClean="0">
+                <a:ln>
+                  <a:noFill/>
+                </a:ln>
+                <a:solidFill>
+                  <a:schemeClr val="tx1"/>
+                </a:solidFill>
+                <a:effectLst/>
+                <a:latin typeface="Calibri" panose="020F0502020204030204" pitchFamily="34" charset="0"/>
+                <a:ea typeface="Times New Roman" panose="02020603050405020304" pitchFamily="18" charset="0"/>
+                <a:cs typeface="Arial" panose="020B0604020202020204" pitchFamily="34" charset="0"/>
+              </a:rPr>
+              <a:t>אם נלחץ על דף המנהל,</a:t>
+            </a:r>
+            <a:r>
+              <a:rPr kumimoji="0" lang="he-IL" altLang="he-IL" sz="2000" b="0" i="0" u="none" strike="noStrike" cap="none" normalizeH="0" dirty="0" smtClean="0">
+                <a:ln>
+                  <a:noFill/>
+                </a:ln>
+                <a:solidFill>
+                  <a:schemeClr val="tx1"/>
+                </a:solidFill>
+                <a:effectLst/>
+                <a:latin typeface="Calibri" panose="020F0502020204030204" pitchFamily="34" charset="0"/>
+                <a:ea typeface="Times New Roman" panose="02020603050405020304" pitchFamily="18" charset="0"/>
+                <a:cs typeface="Arial" panose="020B0604020202020204" pitchFamily="34" charset="0"/>
+              </a:rPr>
+              <a:t> ייפתח הדף הבא (אנטר)</a:t>
+            </a:r>
+            <a:endParaRPr kumimoji="0" lang="en-US" altLang="he-IL" sz="1100" b="0" i="0" u="none" strike="noStrike" cap="none" normalizeH="0" baseline="0" dirty="0" smtClean="0">
+              <a:ln>
+                <a:noFill/>
+              </a:ln>
+              <a:solidFill>
+                <a:schemeClr val="tx1"/>
+              </a:solidFill>
+              <a:effectLst/>
+              <a:latin typeface="Arial" panose="020B0604020202020204" pitchFamily="34" charset="0"/>
+              <a:cs typeface="Arial" panose="020B0604020202020204" pitchFamily="34" charset="0"/>
+            </a:endParaRPr>
+          </a:p>
+        </p:txBody>
+      </p:sp>
+      <p:pic>
+        <p:nvPicPr>
+          <p:cNvPr id="3" name="Picture 2"/>
+          <p:cNvPicPr>
+            <a:picLocks noChangeAspect="1"/>
+          </p:cNvPicPr>
+          <p:nvPr/>
+        </p:nvPicPr>
+        <p:blipFill>
+          <a:blip r:embed="rId2"/>
+          <a:stretch>
+            <a:fillRect/>
+          </a:stretch>
+        </p:blipFill>
+        <p:spPr>
+          <a:xfrm>
+            <a:off x="1944129" y="1677427"/>
+            <a:ext cx="7891849" cy="4439165"/>
+          </a:xfrm>
+          <a:prstGeom prst="rect">
+            <a:avLst/>
+          </a:prstGeom>
+        </p:spPr>
+      </p:pic>
+      <p:pic>
+        <p:nvPicPr>
+          <p:cNvPr id="2" name="Picture 1"/>
+          <p:cNvPicPr>
+            <a:picLocks noChangeAspect="1"/>
+          </p:cNvPicPr>
+          <p:nvPr/>
+        </p:nvPicPr>
+        <p:blipFill>
+          <a:blip r:embed="rId3"/>
+          <a:stretch>
+            <a:fillRect/>
+          </a:stretch>
+        </p:blipFill>
+        <p:spPr>
+          <a:xfrm>
+            <a:off x="1936884" y="1673352"/>
+            <a:ext cx="7899093" cy="4443240"/>
+          </a:xfrm>
+          <a:prstGeom prst="rect">
+            <a:avLst/>
+          </a:prstGeom>
+        </p:spPr>
+      </p:pic>
+      <p:pic>
+        <p:nvPicPr>
+          <p:cNvPr id="4" name="Picture 3"/>
+          <p:cNvPicPr>
+            <a:picLocks noChangeAspect="1"/>
+          </p:cNvPicPr>
+          <p:nvPr/>
+        </p:nvPicPr>
+        <p:blipFill>
+          <a:blip r:embed="rId4"/>
+          <a:stretch>
+            <a:fillRect/>
+          </a:stretch>
+        </p:blipFill>
+        <p:spPr>
+          <a:xfrm>
+            <a:off x="1944129" y="1673352"/>
+            <a:ext cx="7900416" cy="4443984"/>
+          </a:xfrm>
+          <a:prstGeom prst="rect">
+            <a:avLst/>
+          </a:prstGeom>
+        </p:spPr>
+      </p:pic>
+      <p:pic>
+        <p:nvPicPr>
+          <p:cNvPr id="7" name="Picture 6"/>
+          <p:cNvPicPr>
+            <a:picLocks noChangeAspect="1"/>
+          </p:cNvPicPr>
+          <p:nvPr/>
+        </p:nvPicPr>
+        <p:blipFill>
+          <a:blip r:embed="rId5"/>
+          <a:stretch>
+            <a:fillRect/>
+          </a:stretch>
+        </p:blipFill>
+        <p:spPr>
+          <a:xfrm>
+            <a:off x="1756745" y="1673352"/>
+            <a:ext cx="8079232" cy="4544568"/>
+          </a:xfrm>
+          <a:prstGeom prst="rect">
+            <a:avLst/>
+          </a:prstGeom>
+        </p:spPr>
+      </p:pic>
+      <p:pic>
+        <p:nvPicPr>
+          <p:cNvPr id="8" name="Picture 7"/>
+          <p:cNvPicPr>
+            <a:picLocks noChangeAspect="1"/>
+          </p:cNvPicPr>
+          <p:nvPr/>
+        </p:nvPicPr>
+        <p:blipFill>
+          <a:blip r:embed="rId6"/>
+          <a:stretch>
+            <a:fillRect/>
+          </a:stretch>
+        </p:blipFill>
+        <p:spPr>
+          <a:xfrm>
+            <a:off x="1756744" y="1672608"/>
+            <a:ext cx="8080554" cy="4545312"/>
+          </a:xfrm>
+          <a:prstGeom prst="rect">
+            <a:avLst/>
+          </a:prstGeom>
+        </p:spPr>
+      </p:pic>
+      <p:pic>
+        <p:nvPicPr>
+          <p:cNvPr id="9" name="Picture 8"/>
+          <p:cNvPicPr>
+            <a:picLocks noChangeAspect="1"/>
+          </p:cNvPicPr>
+          <p:nvPr/>
+        </p:nvPicPr>
+        <p:blipFill>
+          <a:blip r:embed="rId7"/>
+          <a:stretch>
+            <a:fillRect/>
+          </a:stretch>
+        </p:blipFill>
+        <p:spPr>
+          <a:xfrm>
+            <a:off x="1756743" y="1713756"/>
+            <a:ext cx="8079235" cy="4544570"/>
+          </a:xfrm>
+          <a:prstGeom prst="rect">
+            <a:avLst/>
+          </a:prstGeom>
+        </p:spPr>
+      </p:pic>
+    </p:spTree>
+    <p:extLst>
+      <p:ext uri="{BB962C8B-B14F-4D97-AF65-F5344CB8AC3E}">
+        <p14:creationId xmlns:p14="http://schemas.microsoft.com/office/powerpoint/2010/main" val="124397027"/>
+      </p:ext>
+    </p:extLst>
+  </p:cSld>
+  <p:clrMapOvr>
+    <a:masterClrMapping/>
+  </p:clrMapOvr>
+  <mc:AlternateContent xmlns:mc="http://schemas.openxmlformats.org/markup-compatibility/2006">
+    <mc:Choice xmlns:p14="http://schemas.microsoft.com/office/powerpoint/2010/main" Requires="p14">
+      <p:transition p14:dur="0"/>
+    </mc:Choice>
+    <mc:Fallback>
+      <p:transition/>
+    </mc:Fallback>
+  </mc:AlternateContent>
+  <p:timing>
+    <p:tnLst>
+      <p:par>
+        <p:cTn id="1" dur="indefinite" restart="never" nodeType="tmRoot">
+          <p:childTnLst>
+            <p:seq concurrent="1" nextAc="seek">
+              <p:cTn id="2" dur="indefinite" nodeType="mainSeq">
+                <p:childTnLst>
+                  <p:par>
+                    <p:cTn id="3" fill="hold">
+                      <p:stCondLst>
+                        <p:cond delay="indefinite"/>
+                      </p:stCondLst>
+                      <p:childTnLst>
+                        <p:par>
+                          <p:cTn id="4" fill="hold">
+                            <p:stCondLst>
+                              <p:cond delay="0"/>
+                            </p:stCondLst>
+                            <p:childTnLst>
+                              <p:par>
+                                <p:cTn id="5" presetID="10" presetClass="entr" presetSubtype="0" fill="hold" nodeType="clickEffect">
+                                  <p:stCondLst>
+                                    <p:cond delay="0"/>
+                                  </p:stCondLst>
+                                  <p:childTnLst>
+                                    <p:set>
+                                      <p:cBhvr>
+                                        <p:cTn id="6" dur="1" fill="hold">
+                                          <p:stCondLst>
+                                            <p:cond delay="0"/>
+                                          </p:stCondLst>
+                                        </p:cTn>
+                                        <p:tgtEl>
+                                          <p:spTgt spid="2"/>
+                                        </p:tgtEl>
+                                        <p:attrNameLst>
+                                          <p:attrName>style.visibility</p:attrName>
+                                        </p:attrNameLst>
+                                      </p:cBhvr>
+                                      <p:to>
+                                        <p:strVal val="visible"/>
+                                      </p:to>
+                                    </p:set>
+                                    <p:animEffect transition="in" filter="fade">
+                                      <p:cBhvr>
+                                        <p:cTn id="7" dur="500"/>
+                                        <p:tgtEl>
+                                          <p:spTgt spid="2"/>
+                                        </p:tgtEl>
+                                      </p:cBhvr>
+                                    </p:animEffect>
+                                  </p:childTnLst>
+                                </p:cTn>
+                              </p:par>
+                            </p:childTnLst>
+                          </p:cTn>
+                        </p:par>
+                      </p:childTnLst>
+                    </p:cTn>
+                  </p:par>
+                  <p:par>
+                    <p:cTn id="8" fill="hold">
+                      <p:stCondLst>
+                        <p:cond delay="indefinite"/>
+                      </p:stCondLst>
+                      <p:childTnLst>
+                        <p:par>
+                          <p:cTn id="9" fill="hold">
+                            <p:stCondLst>
+                              <p:cond delay="0"/>
+                            </p:stCondLst>
+                            <p:childTnLst>
+                              <p:par>
+                                <p:cTn id="10" presetID="10" presetClass="entr" presetSubtype="0" fill="hold" nodeType="clickEffect">
+                                  <p:stCondLst>
+                                    <p:cond delay="0"/>
+                                  </p:stCondLst>
+                                  <p:childTnLst>
+                                    <p:set>
+                                      <p:cBhvr>
+                                        <p:cTn id="11" dur="1" fill="hold">
+                                          <p:stCondLst>
+                                            <p:cond delay="0"/>
+                                          </p:stCondLst>
+                                        </p:cTn>
+                                        <p:tgtEl>
+                                          <p:spTgt spid="4"/>
+                                        </p:tgtEl>
+                                        <p:attrNameLst>
+                                          <p:attrName>style.visibility</p:attrName>
+                                        </p:attrNameLst>
+                                      </p:cBhvr>
+                                      <p:to>
+                                        <p:strVal val="visible"/>
+                                      </p:to>
+                                    </p:set>
+                                    <p:animEffect transition="in" filter="fade">
+                                      <p:cBhvr>
+                                        <p:cTn id="12" dur="500"/>
+                                        <p:tgtEl>
+                                          <p:spTgt spid="4"/>
+                                        </p:tgtEl>
+                                      </p:cBhvr>
+                                    </p:animEffect>
+                                  </p:childTnLst>
+                                </p:cTn>
+                              </p:par>
+                            </p:childTnLst>
+                          </p:cTn>
+                        </p:par>
+                      </p:childTnLst>
+                    </p:cTn>
+                  </p:par>
+                  <p:par>
+                    <p:cTn id="13" fill="hold">
+                      <p:stCondLst>
+                        <p:cond delay="indefinite"/>
+                      </p:stCondLst>
+                      <p:childTnLst>
+                        <p:par>
+                          <p:cTn id="14" fill="hold">
+                            <p:stCondLst>
+                              <p:cond delay="0"/>
+                            </p:stCondLst>
+                            <p:childTnLst>
+                              <p:par>
+                                <p:cTn id="15" presetID="10" presetClass="entr" presetSubtype="0" fill="hold" nodeType="clickEffect">
+                                  <p:stCondLst>
+                                    <p:cond delay="0"/>
+                                  </p:stCondLst>
+                                  <p:childTnLst>
+                                    <p:set>
+                                      <p:cBhvr>
+                                        <p:cTn id="16" dur="1" fill="hold">
+                                          <p:stCondLst>
+                                            <p:cond delay="0"/>
+                                          </p:stCondLst>
+                                        </p:cTn>
+                                        <p:tgtEl>
+                                          <p:spTgt spid="7"/>
+                                        </p:tgtEl>
+                                        <p:attrNameLst>
+                                          <p:attrName>style.visibility</p:attrName>
+                                        </p:attrNameLst>
+                                      </p:cBhvr>
+                                      <p:to>
+                                        <p:strVal val="visible"/>
+                                      </p:to>
+                                    </p:set>
+                                    <p:animEffect transition="in" filter="fade">
+                                      <p:cBhvr>
+                                        <p:cTn id="17" dur="500"/>
+                                        <p:tgtEl>
+                                          <p:spTgt spid="7"/>
+                                        </p:tgtEl>
+                                      </p:cBhvr>
+                                    </p:animEffect>
+                                  </p:childTnLst>
+                                </p:cTn>
+                              </p:par>
+                            </p:childTnLst>
+                          </p:cTn>
+                        </p:par>
+                      </p:childTnLst>
+                    </p:cTn>
+                  </p:par>
+                  <p:par>
+                    <p:cTn id="18" fill="hold">
+                      <p:stCondLst>
+                        <p:cond delay="indefinite"/>
+                      </p:stCondLst>
+                      <p:childTnLst>
+                        <p:par>
+                          <p:cTn id="19" fill="hold">
+                            <p:stCondLst>
+                              <p:cond delay="0"/>
+                            </p:stCondLst>
+                            <p:childTnLst>
+                              <p:par>
+                                <p:cTn id="20" presetID="10" presetClass="entr" presetSubtype="0" fill="hold" nodeType="clickEffect">
+                                  <p:stCondLst>
+                                    <p:cond delay="0"/>
+                                  </p:stCondLst>
+                                  <p:childTnLst>
+                                    <p:set>
+                                      <p:cBhvr>
+                                        <p:cTn id="21" dur="1" fill="hold">
+                                          <p:stCondLst>
+                                            <p:cond delay="0"/>
+                                          </p:stCondLst>
+                                        </p:cTn>
+                                        <p:tgtEl>
+                                          <p:spTgt spid="8"/>
+                                        </p:tgtEl>
+                                        <p:attrNameLst>
+                                          <p:attrName>style.visibility</p:attrName>
+                                        </p:attrNameLst>
+                                      </p:cBhvr>
+                                      <p:to>
+                                        <p:strVal val="visible"/>
+                                      </p:to>
+                                    </p:set>
+                                    <p:animEffect transition="in" filter="fade">
+                                      <p:cBhvr>
+                                        <p:cTn id="22" dur="500"/>
+                                        <p:tgtEl>
+                                          <p:spTgt spid="8"/>
+                                        </p:tgtEl>
+                                      </p:cBhvr>
+                                    </p:animEffect>
+                                  </p:childTnLst>
+                                </p:cTn>
+                              </p:par>
+                            </p:childTnLst>
+                          </p:cTn>
+                        </p:par>
+                      </p:childTnLst>
+                    </p:cTn>
+                  </p:par>
+                  <p:par>
+                    <p:cTn id="23" fill="hold">
+                      <p:stCondLst>
+                        <p:cond delay="indefinite"/>
+                      </p:stCondLst>
+                      <p:childTnLst>
+                        <p:par>
+                          <p:cTn id="24" fill="hold">
+                            <p:stCondLst>
+                              <p:cond delay="0"/>
+                            </p:stCondLst>
+                            <p:childTnLst>
+                              <p:par>
+                                <p:cTn id="25" presetID="10" presetClass="entr" presetSubtype="0" fill="hold" nodeType="clickEffect">
+                                  <p:stCondLst>
+                                    <p:cond delay="0"/>
+                                  </p:stCondLst>
+                                  <p:childTnLst>
+                                    <p:set>
+                                      <p:cBhvr>
+                                        <p:cTn id="26" dur="1" fill="hold">
+                                          <p:stCondLst>
+                                            <p:cond delay="0"/>
+                                          </p:stCondLst>
+                                        </p:cTn>
+                                        <p:tgtEl>
+                                          <p:spTgt spid="9"/>
+                                        </p:tgtEl>
+                                        <p:attrNameLst>
+                                          <p:attrName>style.visibility</p:attrName>
+                                        </p:attrNameLst>
+                                      </p:cBhvr>
+                                      <p:to>
+                                        <p:strVal val="visible"/>
+                                      </p:to>
+                                    </p:set>
+                                    <p:animEffect transition="in" filter="fade">
+                                      <p:cBhvr>
+                                        <p:cTn id="27" dur="500"/>
+                                        <p:tgtEl>
+                                          <p:spTgt spid="9"/>
+                                        </p:tgtEl>
+                                      </p:cBhvr>
+                                    </p:animEffect>
+                                  </p:childTnLst>
+                                </p:cTn>
+                              </p:par>
+                            </p:childTnLst>
+                          </p:cTn>
+                        </p:par>
+                      </p:childTnLst>
+                    </p:cTn>
+                  </p:par>
+                </p:childTnLst>
+              </p:cTn>
+              <p:prevCondLst>
+                <p:cond evt="onPrev" delay="0">
+                  <p:tgtEl>
+                    <p:sldTgt/>
+                  </p:tgtEl>
+                </p:cond>
+              </p:prevCondLst>
+              <p:nextCondLst>
+                <p:cond evt="onNext" delay="0">
+                  <p:tgtEl>
+                    <p:sldTgt/>
+                  </p:tgtEl>
+                </p:cond>
+              </p:nextCondLst>
+            </p:seq>
+          </p:childTnLst>
+        </p:cTn>
+      </p:par>
+    </p:tnLst>
+  </p:timing>
+</p:sld>
+</file>
+
+<file path=ppt/slides/slide13.xml><?xml version="1.0" encoding="utf-8"?>
+<p:sld xmlns:a="http://schemas.openxmlformats.org/drawingml/2006/main" xmlns:r="http://schemas.openxmlformats.org/officeDocument/2006/relationships" xmlns:p="http://schemas.openxmlformats.org/presentationml/2006/main">
+  <p:cSld>
+    <p:spTree>
+      <p:nvGrpSpPr>
+        <p:cNvPr id="1" name=""/>
+        <p:cNvGrpSpPr/>
+        <p:nvPr/>
+      </p:nvGrpSpPr>
+      <p:grpSpPr>
+        <a:xfrm>
+          <a:off x="0" y="0"/>
+          <a:ext cx="0" cy="0"/>
+          <a:chOff x="0" y="0"/>
+          <a:chExt cx="0" cy="0"/>
+        </a:xfrm>
+      </p:grpSpPr>
+      <p:sp>
+        <p:nvSpPr>
+          <p:cNvPr id="5" name="Rectangle 13"/>
+          <p:cNvSpPr>
+            <a:spLocks noChangeArrowheads="1"/>
+          </p:cNvSpPr>
+          <p:nvPr/>
+        </p:nvSpPr>
+        <p:spPr bwMode="auto">
+          <a:xfrm>
+            <a:off x="3392425" y="601432"/>
+            <a:ext cx="5358384" cy="707886"/>
+          </a:xfrm>
+          <a:prstGeom prst="rect">
+            <a:avLst/>
+          </a:prstGeom>
+          <a:noFill/>
+          <a:ln>
+            <a:noFill/>
+          </a:ln>
+          <a:effectLst/>
+          <a:extLst>
+            <a:ext uri="{909E8E84-426E-40DD-AFC4-6F175D3DCCD1}">
+              <a14:hiddenFill xmlns:a14="http://schemas.microsoft.com/office/drawing/2010/main">
+                <a:solidFill>
+                  <a:schemeClr val="accent1"/>
+                </a:solidFill>
+              </a14:hiddenFill>
+            </a:ext>
+            <a:ext uri="{91240B29-F687-4F45-9708-019B960494DF}">
+              <a14:hiddenLine xmlns:a14="http://schemas.microsoft.com/office/drawing/2010/main" w="9525">
+                <a:solidFill>
+                  <a:schemeClr val="tx1"/>
+                </a:solidFill>
+                <a:miter lim="800000"/>
+                <a:headEnd/>
+                <a:tailEnd/>
+              </a14:hiddenLine>
+            </a:ext>
+            <a:ext uri="{AF507438-7753-43E0-B8FC-AC1667EBCBE1}">
+              <a14:hiddenEffects xmlns:a14="http://schemas.microsoft.com/office/drawing/2010/main">
+                <a:effectLst>
+                  <a:outerShdw dist="35921" dir="2700000" algn="ctr" rotWithShape="0">
+                    <a:schemeClr val="bg2"/>
+                  </a:outerShdw>
+                </a:effectLst>
+              </a14:hiddenEffects>
+            </a:ext>
+          </a:extLst>
+        </p:spPr>
+        <p:txBody>
+          <a:bodyPr vert="horz" wrap="square" lIns="91440" tIns="45720" rIns="91440" bIns="45720" numCol="1" anchor="ctr" anchorCtr="0" compatLnSpc="1">
+            <a:prstTxWarp prst="textNoShape">
+              <a:avLst/>
+            </a:prstTxWarp>
+            <a:spAutoFit/>
+          </a:bodyPr>
+          <a:lstStyle/>
+          <a:p>
+            <a:pPr marL="0" marR="0" lvl="0" indent="0" algn="ctr" defTabSz="914400" rtl="1" eaLnBrk="0" fontAlgn="base" latinLnBrk="0" hangingPunct="0">
+              <a:lnSpc>
+                <a:spcPct val="100000"/>
+              </a:lnSpc>
+              <a:spcBef>
+                <a:spcPct val="0"/>
+              </a:spcBef>
+              <a:spcAft>
+                <a:spcPct val="0"/>
+              </a:spcAft>
+              <a:buClrTx/>
+              <a:buSzTx/>
+              <a:buFontTx/>
+              <a:buNone/>
+              <a:tabLst/>
+            </a:pPr>
+            <a:r>
+              <a:rPr kumimoji="0" lang="he-IL" altLang="he-IL" sz="2000" b="0" i="0" u="none" strike="noStrike" cap="none" normalizeH="0" baseline="0" dirty="0" smtClean="0">
+                <a:ln>
+                  <a:noFill/>
+                </a:ln>
+                <a:solidFill>
+                  <a:schemeClr val="tx1"/>
+                </a:solidFill>
+                <a:effectLst/>
+                <a:latin typeface="Calibri" panose="020F0502020204030204" pitchFamily="34" charset="0"/>
+                <a:ea typeface="Times New Roman" panose="02020603050405020304" pitchFamily="18" charset="0"/>
+                <a:cs typeface="Arial" panose="020B0604020202020204" pitchFamily="34" charset="0"/>
+              </a:rPr>
+              <a:t>אם נלחץ באג רפורט, ייפתח</a:t>
+            </a:r>
+            <a:r>
+              <a:rPr kumimoji="0" lang="he-IL" altLang="he-IL" sz="2000" b="0" i="0" u="none" strike="noStrike" cap="none" normalizeH="0" dirty="0" smtClean="0">
+                <a:ln>
+                  <a:noFill/>
+                </a:ln>
+                <a:solidFill>
+                  <a:schemeClr val="tx1"/>
+                </a:solidFill>
+                <a:effectLst/>
+                <a:latin typeface="Calibri" panose="020F0502020204030204" pitchFamily="34" charset="0"/>
+                <a:ea typeface="Times New Roman" panose="02020603050405020304" pitchFamily="18" charset="0"/>
+                <a:cs typeface="Arial" panose="020B0604020202020204" pitchFamily="34" charset="0"/>
+              </a:rPr>
+              <a:t> מסך לשליחת דיווח </a:t>
+            </a:r>
+            <a:r>
+              <a:rPr lang="he-IL" altLang="he-IL" sz="2000" dirty="0" smtClean="0">
+                <a:latin typeface="Calibri" panose="020F0502020204030204" pitchFamily="34" charset="0"/>
+                <a:ea typeface="Times New Roman" panose="02020603050405020304" pitchFamily="18" charset="0"/>
+                <a:cs typeface="Arial" panose="020B0604020202020204" pitchFamily="34" charset="0"/>
+              </a:rPr>
+              <a:t>(אנטר)</a:t>
+            </a:r>
+            <a:endParaRPr kumimoji="0" lang="en-US" altLang="he-IL" sz="1100" b="0" i="0" u="none" strike="noStrike" cap="none" normalizeH="0" baseline="0" dirty="0" smtClean="0">
+              <a:ln>
+                <a:noFill/>
+              </a:ln>
+              <a:solidFill>
+                <a:schemeClr val="tx1"/>
+              </a:solidFill>
+              <a:effectLst/>
+              <a:latin typeface="Arial" panose="020B0604020202020204" pitchFamily="34" charset="0"/>
+              <a:cs typeface="Arial" panose="020B0604020202020204" pitchFamily="34" charset="0"/>
+            </a:endParaRPr>
+          </a:p>
+        </p:txBody>
+      </p:sp>
+      <p:pic>
+        <p:nvPicPr>
+          <p:cNvPr id="3" name="Picture 2"/>
+          <p:cNvPicPr>
+            <a:picLocks noChangeAspect="1"/>
+          </p:cNvPicPr>
+          <p:nvPr/>
+        </p:nvPicPr>
+        <p:blipFill>
+          <a:blip r:embed="rId2"/>
+          <a:stretch>
+            <a:fillRect/>
+          </a:stretch>
+        </p:blipFill>
+        <p:spPr>
+          <a:xfrm>
+            <a:off x="1944129" y="1677427"/>
+            <a:ext cx="7891849" cy="4439165"/>
+          </a:xfrm>
+          <a:prstGeom prst="rect">
+            <a:avLst/>
+          </a:prstGeom>
+        </p:spPr>
+      </p:pic>
+      <p:pic>
+        <p:nvPicPr>
+          <p:cNvPr id="2" name="Picture 1"/>
+          <p:cNvPicPr>
+            <a:picLocks noChangeAspect="1"/>
+          </p:cNvPicPr>
+          <p:nvPr/>
+        </p:nvPicPr>
+        <p:blipFill>
+          <a:blip r:embed="rId3"/>
+          <a:stretch>
+            <a:fillRect/>
+          </a:stretch>
+        </p:blipFill>
+        <p:spPr>
+          <a:xfrm>
+            <a:off x="1944128" y="1677427"/>
+            <a:ext cx="7891849" cy="4439166"/>
+          </a:xfrm>
+          <a:prstGeom prst="rect">
+            <a:avLst/>
+          </a:prstGeom>
+        </p:spPr>
+      </p:pic>
+    </p:spTree>
+    <p:extLst>
+      <p:ext uri="{BB962C8B-B14F-4D97-AF65-F5344CB8AC3E}">
+        <p14:creationId xmlns:p14="http://schemas.microsoft.com/office/powerpoint/2010/main" val="2345685614"/>
+      </p:ext>
+    </p:extLst>
+  </p:cSld>
+  <p:clrMapOvr>
+    <a:masterClrMapping/>
+  </p:clrMapOvr>
+  <mc:AlternateContent xmlns:mc="http://schemas.openxmlformats.org/markup-compatibility/2006">
+    <mc:Choice xmlns:p14="http://schemas.microsoft.com/office/powerpoint/2010/main" Requires="p14">
+      <p:transition p14:dur="0"/>
+    </mc:Choice>
+    <mc:Fallback>
+      <p:transition/>
+    </mc:Fallback>
+  </mc:AlternateContent>
+  <p:timing>
+    <p:tnLst>
+      <p:par>
+        <p:cTn id="1" dur="indefinite" restart="never" nodeType="tmRoot">
+          <p:childTnLst>
+            <p:seq concurrent="1" nextAc="seek">
+              <p:cTn id="2" dur="indefinite" nodeType="mainSeq">
+                <p:childTnLst>
+                  <p:par>
+                    <p:cTn id="3" fill="hold">
+                      <p:stCondLst>
+                        <p:cond delay="indefinite"/>
+                      </p:stCondLst>
+                      <p:childTnLst>
+                        <p:par>
+                          <p:cTn id="4" fill="hold">
+                            <p:stCondLst>
+                              <p:cond delay="0"/>
+                            </p:stCondLst>
+                            <p:childTnLst>
+                              <p:par>
+                                <p:cTn id="5" presetID="10" presetClass="entr" presetSubtype="0" fill="hold" nodeType="clickEffect">
+                                  <p:stCondLst>
+                                    <p:cond delay="0"/>
+                                  </p:stCondLst>
+                                  <p:childTnLst>
+                                    <p:set>
+                                      <p:cBhvr>
+                                        <p:cTn id="6" dur="1" fill="hold">
+                                          <p:stCondLst>
+                                            <p:cond delay="0"/>
+                                          </p:stCondLst>
+                                        </p:cTn>
+                                        <p:tgtEl>
+                                          <p:spTgt spid="2"/>
+                                        </p:tgtEl>
+                                        <p:attrNameLst>
+                                          <p:attrName>style.visibility</p:attrName>
+                                        </p:attrNameLst>
+                                      </p:cBhvr>
+                                      <p:to>
+                                        <p:strVal val="visible"/>
+                                      </p:to>
+                                    </p:set>
+                                    <p:animEffect transition="in" filter="fade">
+                                      <p:cBhvr>
+                                        <p:cTn id="7" dur="500"/>
+                                        <p:tgtEl>
+                                          <p:spTgt spid="2"/>
+                                        </p:tgtEl>
+                                      </p:cBhvr>
+                                    </p:animEffect>
+                                  </p:childTnLst>
+                                </p:cTn>
+                              </p:par>
+                            </p:childTnLst>
+                          </p:cTn>
+                        </p:par>
+                      </p:childTnLst>
+                    </p:cTn>
+                  </p:par>
+                </p:childTnLst>
+              </p:cTn>
+              <p:prevCondLst>
+                <p:cond evt="onPrev" delay="0">
+                  <p:tgtEl>
+                    <p:sldTgt/>
+                  </p:tgtEl>
+                </p:cond>
+              </p:prevCondLst>
+              <p:nextCondLst>
+                <p:cond evt="onNext" delay="0">
+                  <p:tgtEl>
+                    <p:sldTgt/>
+                  </p:tgtEl>
+                </p:cond>
+              </p:nextCondLst>
+            </p:seq>
+          </p:childTnLst>
+        </p:cTn>
+      </p:par>
+    </p:tnLst>
+  </p:timing>
+</p:sld>
+</file>
+
 <file path=ppt/slides/slide2.xml><?xml version="1.0" encoding="utf-8"?>
 <p:sld xmlns:a="http://schemas.openxmlformats.org/drawingml/2006/main" xmlns:r="http://schemas.openxmlformats.org/officeDocument/2006/relationships" xmlns:p="http://schemas.openxmlformats.org/presentationml/2006/main">
   <p:cSld>
@@ -6609,7 +8118,7 @@
           <a:graphicData uri="http://schemas.openxmlformats.org/presentationml/2006/ole">
             <mc:AlternateContent xmlns:mc="http://schemas.openxmlformats.org/markup-compatibility/2006">
               <mc:Choice xmlns:v="urn:schemas-microsoft-com:vml" Requires="v">
-                <p:oleObj spid="_x0000_s1034" name="Visio" r:id="rId4" imgW="10096356" imgH="7200900" progId="Visio.Drawing.15">
+                <p:oleObj spid="_x0000_s1040" name="Visio" r:id="rId4" imgW="10096356" imgH="7200900" progId="Visio.Drawing.15">
                   <p:embed/>
                 </p:oleObj>
               </mc:Choice>
@@ -6696,7 +8205,7 @@
           <a:graphicData uri="http://schemas.openxmlformats.org/presentationml/2006/ole">
             <mc:AlternateContent xmlns:mc="http://schemas.openxmlformats.org/markup-compatibility/2006">
               <mc:Choice xmlns:v="urn:schemas-microsoft-com:vml" Requires="v">
-                <p:oleObj spid="_x0000_s2056" name="Visio" r:id="rId3" imgW="9534681" imgH="6772147" progId="Visio.Drawing.15">
+                <p:oleObj spid="_x0000_s2062" name="Visio" r:id="rId3" imgW="9534681" imgH="6772147" progId="Visio.Drawing.15">
                   <p:embed/>
                 </p:oleObj>
               </mc:Choice>
@@ -6832,6 +8341,1797 @@
   <p:clrMapOvr>
     <a:masterClrMapping/>
   </p:clrMapOvr>
+</p:sld>
+</file>
+
+<file path=ppt/slides/slide5.xml><?xml version="1.0" encoding="utf-8"?>
+<p:sld xmlns:a="http://schemas.openxmlformats.org/drawingml/2006/main" xmlns:r="http://schemas.openxmlformats.org/officeDocument/2006/relationships" xmlns:p="http://schemas.openxmlformats.org/presentationml/2006/main">
+  <p:cSld>
+    <p:spTree>
+      <p:nvGrpSpPr>
+        <p:cNvPr id="1" name=""/>
+        <p:cNvGrpSpPr/>
+        <p:nvPr/>
+      </p:nvGrpSpPr>
+      <p:grpSpPr>
+        <a:xfrm>
+          <a:off x="0" y="0"/>
+          <a:ext cx="0" cy="0"/>
+          <a:chOff x="0" y="0"/>
+          <a:chExt cx="0" cy="0"/>
+        </a:xfrm>
+      </p:grpSpPr>
+      <p:sp>
+        <p:nvSpPr>
+          <p:cNvPr id="2" name="Title 1"/>
+          <p:cNvSpPr>
+            <a:spLocks noGrp="1"/>
+          </p:cNvSpPr>
+          <p:nvPr>
+            <p:ph type="title"/>
+          </p:nvPr>
+        </p:nvSpPr>
+        <p:spPr>
+          <a:xfrm>
+            <a:off x="819106" y="559809"/>
+            <a:ext cx="9404723" cy="2035109"/>
+          </a:xfrm>
+        </p:spPr>
+        <p:txBody>
+          <a:bodyPr/>
+          <a:lstStyle/>
+          <a:p>
+            <a:pPr lvl="0" algn="r" defTabSz="914400" eaLnBrk="0" fontAlgn="base" hangingPunct="0">
+              <a:spcAft>
+                <a:spcPct val="0"/>
+              </a:spcAft>
+            </a:pPr>
+            <a:r>
+              <a:rPr lang="he-IL" altLang="he-IL" sz="2800" dirty="0">
+                <a:solidFill>
+                  <a:srgbClr val="2E74B5"/>
+                </a:solidFill>
+                <a:latin typeface="Calibri Light" panose="020F0302020204030204" pitchFamily="34" charset="0"/>
+                <a:ea typeface="Times New Roman" panose="02020603050405020304" pitchFamily="18" charset="0"/>
+              </a:rPr>
+              <a:t>ה</a:t>
+            </a:r>
+            <a:r>
+              <a:rPr lang="he-IL" altLang="he-IL" sz="2800" dirty="0" bmk="">
+                <a:solidFill>
+                  <a:srgbClr val="2E74B5"/>
+                </a:solidFill>
+                <a:latin typeface="Calibri Light" panose="020F0302020204030204" pitchFamily="34" charset="0"/>
+                <a:ea typeface="Times New Roman" panose="02020603050405020304" pitchFamily="18" charset="0"/>
+              </a:rPr>
+              <a:t>פעלת המערכת:</a:t>
+            </a:r>
+            <a:r>
+              <a:rPr lang="en-US" altLang="he-IL" sz="2800" dirty="0">
+                <a:solidFill>
+                  <a:srgbClr val="2E74B5"/>
+                </a:solidFill>
+                <a:latin typeface="Calibri Light" panose="020F0302020204030204" pitchFamily="34" charset="0"/>
+                <a:ea typeface="Times New Roman" panose="02020603050405020304" pitchFamily="18" charset="0"/>
+              </a:rPr>
+              <a:t/>
+            </a:r>
+            <a:br>
+              <a:rPr lang="en-US" altLang="he-IL" sz="2800" dirty="0">
+                <a:solidFill>
+                  <a:srgbClr val="2E74B5"/>
+                </a:solidFill>
+                <a:latin typeface="Calibri Light" panose="020F0302020204030204" pitchFamily="34" charset="0"/>
+                <a:ea typeface="Times New Roman" panose="02020603050405020304" pitchFamily="18" charset="0"/>
+              </a:rPr>
+            </a:br>
+            <a:r>
+              <a:rPr lang="he-IL" altLang="he-IL" sz="1800" dirty="0">
+                <a:solidFill>
+                  <a:schemeClr val="tx1"/>
+                </a:solidFill>
+                <a:latin typeface="Calibri" panose="020F0502020204030204" pitchFamily="34" charset="0"/>
+                <a:ea typeface="Calibri" panose="020F0502020204030204" pitchFamily="34" charset="0"/>
+                <a:cs typeface="Arial" panose="020B0604020202020204" pitchFamily="34" charset="0"/>
+              </a:rPr>
+              <a:t>-קודם כל בגלל שזה פרוייקט צבאי שנועד לפעול בממר''ם, נצטרך להפעיל שרת דמה הידמה את פעולת מכונת האחסון ושיתמוך ב</a:t>
+            </a:r>
+            <a:r>
+              <a:rPr lang="en-US" altLang="he-IL" sz="1800" dirty="0" err="1">
+                <a:solidFill>
+                  <a:schemeClr val="tx1"/>
+                </a:solidFill>
+                <a:latin typeface="Calibri" panose="020F0502020204030204" pitchFamily="34" charset="0"/>
+                <a:ea typeface="Calibri" panose="020F0502020204030204" pitchFamily="34" charset="0"/>
+                <a:cs typeface="Arial" panose="020B0604020202020204" pitchFamily="34" charset="0"/>
+              </a:rPr>
+              <a:t>restapi</a:t>
+            </a:r>
+            <a:r>
+              <a:rPr lang="he-IL" altLang="he-IL" sz="1800" dirty="0">
+                <a:solidFill>
+                  <a:schemeClr val="tx1"/>
+                </a:solidFill>
+                <a:latin typeface="Calibri" panose="020F0502020204030204" pitchFamily="34" charset="0"/>
+                <a:ea typeface="Calibri" panose="020F0502020204030204" pitchFamily="34" charset="0"/>
+                <a:cs typeface="Arial" panose="020B0604020202020204" pitchFamily="34" charset="0"/>
+              </a:rPr>
+              <a:t>. </a:t>
+            </a:r>
+            <a:r>
+              <a:rPr lang="en-US" altLang="he-IL" sz="1100" dirty="0">
+                <a:solidFill>
+                  <a:schemeClr val="tx1"/>
+                </a:solidFill>
+              </a:rPr>
+              <a:t/>
+            </a:r>
+            <a:br>
+              <a:rPr lang="en-US" altLang="he-IL" sz="1100" dirty="0">
+                <a:solidFill>
+                  <a:schemeClr val="tx1"/>
+                </a:solidFill>
+              </a:rPr>
+            </a:br>
+            <a:r>
+              <a:rPr lang="he-IL" altLang="he-IL" sz="1800" dirty="0">
+                <a:solidFill>
+                  <a:schemeClr val="tx1"/>
+                </a:solidFill>
+                <a:latin typeface="Calibri" panose="020F0502020204030204" pitchFamily="34" charset="0"/>
+                <a:ea typeface="Calibri" panose="020F0502020204030204" pitchFamily="34" charset="0"/>
+                <a:cs typeface="Arial" panose="020B0604020202020204" pitchFamily="34" charset="0"/>
+              </a:rPr>
+              <a:t>כך נפעיל את השרת:</a:t>
+            </a:r>
+            <a:r>
+              <a:rPr lang="en-US" altLang="he-IL" sz="1100" dirty="0">
+                <a:solidFill>
+                  <a:schemeClr val="tx1"/>
+                </a:solidFill>
+              </a:rPr>
+              <a:t/>
+            </a:r>
+            <a:br>
+              <a:rPr lang="en-US" altLang="he-IL" sz="1100" dirty="0">
+                <a:solidFill>
+                  <a:schemeClr val="tx1"/>
+                </a:solidFill>
+              </a:rPr>
+            </a:br>
+            <a:r>
+              <a:rPr lang="he-IL" altLang="he-IL" sz="1800" dirty="0">
+                <a:solidFill>
+                  <a:schemeClr val="tx1"/>
+                </a:solidFill>
+                <a:latin typeface="Calibri" panose="020F0502020204030204" pitchFamily="34" charset="0"/>
+                <a:ea typeface="Calibri" panose="020F0502020204030204" pitchFamily="34" charset="0"/>
+                <a:cs typeface="Arial" panose="020B0604020202020204" pitchFamily="34" charset="0"/>
+              </a:rPr>
+              <a:t>נפתח חלון </a:t>
+            </a:r>
+            <a:r>
+              <a:rPr lang="en-US" altLang="he-IL" sz="1800" dirty="0" err="1">
+                <a:solidFill>
+                  <a:schemeClr val="tx1"/>
+                </a:solidFill>
+                <a:latin typeface="Calibri" panose="020F0502020204030204" pitchFamily="34" charset="0"/>
+                <a:ea typeface="Calibri" panose="020F0502020204030204" pitchFamily="34" charset="0"/>
+                <a:cs typeface="Arial" panose="020B0604020202020204" pitchFamily="34" charset="0"/>
+              </a:rPr>
+              <a:t>powershell</a:t>
+            </a:r>
+            <a:r>
+              <a:rPr lang="en-US" altLang="he-IL" sz="1800" dirty="0">
+                <a:solidFill>
+                  <a:schemeClr val="tx1"/>
+                </a:solidFill>
+                <a:latin typeface="Calibri" panose="020F0502020204030204" pitchFamily="34" charset="0"/>
+                <a:ea typeface="Calibri" panose="020F0502020204030204" pitchFamily="34" charset="0"/>
+                <a:cs typeface="Arial" panose="020B0604020202020204" pitchFamily="34" charset="0"/>
+              </a:rPr>
+              <a:t> </a:t>
+            </a:r>
+            <a:r>
+              <a:rPr lang="he-IL" altLang="he-IL" sz="1800" dirty="0">
+                <a:solidFill>
+                  <a:schemeClr val="tx1"/>
+                </a:solidFill>
+                <a:latin typeface="Calibri" panose="020F0502020204030204" pitchFamily="34" charset="0"/>
+                <a:ea typeface="Calibri" panose="020F0502020204030204" pitchFamily="34" charset="0"/>
+                <a:cs typeface="Arial" panose="020B0604020202020204" pitchFamily="34" charset="0"/>
+              </a:rPr>
+              <a:t> בתיקייה בה נמצאים קבצי השרת -&gt; נכתוב את הפקודה </a:t>
+            </a:r>
+            <a:r>
+              <a:rPr lang="en-US" altLang="he-IL" sz="1800" dirty="0">
+                <a:solidFill>
+                  <a:schemeClr val="tx1"/>
+                </a:solidFill>
+                <a:latin typeface="Calibri" panose="020F0502020204030204" pitchFamily="34" charset="0"/>
+                <a:ea typeface="Calibri" panose="020F0502020204030204" pitchFamily="34" charset="0"/>
+                <a:cs typeface="Arial" panose="020B0604020202020204" pitchFamily="34" charset="0"/>
+              </a:rPr>
+              <a:t>node server</a:t>
+            </a:r>
+            <a:r>
+              <a:rPr lang="en-US" altLang="he-IL" sz="1100" dirty="0">
+                <a:solidFill>
+                  <a:schemeClr val="tx1"/>
+                </a:solidFill>
+              </a:rPr>
+              <a:t/>
+            </a:r>
+            <a:br>
+              <a:rPr lang="en-US" altLang="he-IL" sz="1100" dirty="0">
+                <a:solidFill>
+                  <a:schemeClr val="tx1"/>
+                </a:solidFill>
+              </a:rPr>
+            </a:br>
+            <a:endParaRPr lang="he-IL" sz="1800" dirty="0"/>
+          </a:p>
+        </p:txBody>
+      </p:sp>
+      <p:pic>
+        <p:nvPicPr>
+          <p:cNvPr id="4" name="Picture 1"/>
+          <p:cNvPicPr>
+            <a:picLocks noChangeAspect="1" noChangeArrowheads="1"/>
+          </p:cNvPicPr>
+          <p:nvPr/>
+        </p:nvPicPr>
+        <p:blipFill>
+          <a:blip r:embed="rId2">
+            <a:extLst>
+              <a:ext uri="{28A0092B-C50C-407E-A947-70E740481C1C}">
+                <a14:useLocalDpi xmlns:a14="http://schemas.microsoft.com/office/drawing/2010/main" val="0"/>
+              </a:ext>
+            </a:extLst>
+          </a:blip>
+          <a:srcRect b="81065"/>
+          <a:stretch>
+            <a:fillRect/>
+          </a:stretch>
+        </p:blipFill>
+        <p:spPr bwMode="auto">
+          <a:xfrm>
+            <a:off x="1482811" y="2529017"/>
+            <a:ext cx="8730795" cy="2265406"/>
+          </a:xfrm>
+          <a:prstGeom prst="rect">
+            <a:avLst/>
+          </a:prstGeom>
+          <a:noFill/>
+          <a:extLst>
+            <a:ext uri="{909E8E84-426E-40DD-AFC4-6F175D3DCCD1}">
+              <a14:hiddenFill xmlns:a14="http://schemas.microsoft.com/office/drawing/2010/main">
+                <a:solidFill>
+                  <a:srgbClr val="FFFFFF"/>
+                </a:solidFill>
+              </a14:hiddenFill>
+            </a:ext>
+          </a:extLst>
+        </p:spPr>
+      </p:pic>
+    </p:spTree>
+    <p:extLst>
+      <p:ext uri="{BB962C8B-B14F-4D97-AF65-F5344CB8AC3E}">
+        <p14:creationId xmlns:p14="http://schemas.microsoft.com/office/powerpoint/2010/main" val="2297661306"/>
+      </p:ext>
+    </p:extLst>
+  </p:cSld>
+  <p:clrMapOvr>
+    <a:masterClrMapping/>
+  </p:clrMapOvr>
+</p:sld>
+</file>
+
+<file path=ppt/slides/slide6.xml><?xml version="1.0" encoding="utf-8"?>
+<p:sld xmlns:a="http://schemas.openxmlformats.org/drawingml/2006/main" xmlns:r="http://schemas.openxmlformats.org/officeDocument/2006/relationships" xmlns:p="http://schemas.openxmlformats.org/presentationml/2006/main">
+  <p:cSld>
+    <p:spTree>
+      <p:nvGrpSpPr>
+        <p:cNvPr id="1" name=""/>
+        <p:cNvGrpSpPr/>
+        <p:nvPr/>
+      </p:nvGrpSpPr>
+      <p:grpSpPr>
+        <a:xfrm>
+          <a:off x="0" y="0"/>
+          <a:ext cx="0" cy="0"/>
+          <a:chOff x="0" y="0"/>
+          <a:chExt cx="0" cy="0"/>
+        </a:xfrm>
+      </p:grpSpPr>
+      <p:pic>
+        <p:nvPicPr>
+          <p:cNvPr id="4" name="Picture 2"/>
+          <p:cNvPicPr>
+            <a:picLocks noChangeAspect="1" noChangeArrowheads="1"/>
+          </p:cNvPicPr>
+          <p:nvPr/>
+        </p:nvPicPr>
+        <p:blipFill>
+          <a:blip r:embed="rId2">
+            <a:extLst>
+              <a:ext uri="{28A0092B-C50C-407E-A947-70E740481C1C}">
+                <a14:useLocalDpi xmlns:a14="http://schemas.microsoft.com/office/drawing/2010/main" val="0"/>
+              </a:ext>
+            </a:extLst>
+          </a:blip>
+          <a:srcRect/>
+          <a:stretch>
+            <a:fillRect/>
+          </a:stretch>
+        </p:blipFill>
+        <p:spPr bwMode="auto">
+          <a:xfrm>
+            <a:off x="2751436" y="2907957"/>
+            <a:ext cx="6026917" cy="3209279"/>
+          </a:xfrm>
+          <a:prstGeom prst="rect">
+            <a:avLst/>
+          </a:prstGeom>
+          <a:noFill/>
+          <a:extLst>
+            <a:ext uri="{909E8E84-426E-40DD-AFC4-6F175D3DCCD1}">
+              <a14:hiddenFill xmlns:a14="http://schemas.microsoft.com/office/drawing/2010/main">
+                <a:solidFill>
+                  <a:srgbClr val="FFFFFF"/>
+                </a:solidFill>
+              </a14:hiddenFill>
+            </a:ext>
+          </a:extLst>
+        </p:spPr>
+      </p:pic>
+      <p:sp>
+        <p:nvSpPr>
+          <p:cNvPr id="5" name="Rectangle 10"/>
+          <p:cNvSpPr>
+            <a:spLocks noChangeArrowheads="1"/>
+          </p:cNvSpPr>
+          <p:nvPr/>
+        </p:nvSpPr>
+        <p:spPr bwMode="auto">
+          <a:xfrm rot="10800000" flipV="1">
+            <a:off x="2265405" y="1029998"/>
+            <a:ext cx="6993924" cy="1754326"/>
+          </a:xfrm>
+          <a:prstGeom prst="rect">
+            <a:avLst/>
+          </a:prstGeom>
+          <a:noFill/>
+          <a:ln>
+            <a:noFill/>
+          </a:ln>
+          <a:effectLst/>
+          <a:extLst>
+            <a:ext uri="{909E8E84-426E-40DD-AFC4-6F175D3DCCD1}">
+              <a14:hiddenFill xmlns:a14="http://schemas.microsoft.com/office/drawing/2010/main">
+                <a:solidFill>
+                  <a:schemeClr val="accent1"/>
+                </a:solidFill>
+              </a14:hiddenFill>
+            </a:ext>
+            <a:ext uri="{91240B29-F687-4F45-9708-019B960494DF}">
+              <a14:hiddenLine xmlns:a14="http://schemas.microsoft.com/office/drawing/2010/main" w="9525">
+                <a:solidFill>
+                  <a:schemeClr val="tx1"/>
+                </a:solidFill>
+                <a:miter lim="800000"/>
+                <a:headEnd/>
+                <a:tailEnd/>
+              </a14:hiddenLine>
+            </a:ext>
+            <a:ext uri="{AF507438-7753-43E0-B8FC-AC1667EBCBE1}">
+              <a14:hiddenEffects xmlns:a14="http://schemas.microsoft.com/office/drawing/2010/main">
+                <a:effectLst>
+                  <a:outerShdw dist="35921" dir="2700000" algn="ctr" rotWithShape="0">
+                    <a:schemeClr val="bg2"/>
+                  </a:outerShdw>
+                </a:effectLst>
+              </a14:hiddenEffects>
+            </a:ext>
+          </a:extLst>
+        </p:spPr>
+        <p:txBody>
+          <a:bodyPr vert="horz" wrap="square" lIns="91440" tIns="45720" rIns="91440" bIns="45720" numCol="1" anchor="ctr" anchorCtr="0" compatLnSpc="1">
+            <a:prstTxWarp prst="textNoShape">
+              <a:avLst/>
+            </a:prstTxWarp>
+            <a:spAutoFit/>
+          </a:bodyPr>
+          <a:lstStyle/>
+          <a:p>
+            <a:pPr marL="0" marR="0" lvl="0" indent="0" algn="r" defTabSz="914400" rtl="1" eaLnBrk="0" fontAlgn="base" latinLnBrk="0" hangingPunct="0">
+              <a:lnSpc>
+                <a:spcPct val="100000"/>
+              </a:lnSpc>
+              <a:spcBef>
+                <a:spcPct val="0"/>
+              </a:spcBef>
+              <a:spcAft>
+                <a:spcPct val="0"/>
+              </a:spcAft>
+              <a:buClrTx/>
+              <a:buSzTx/>
+              <a:buFontTx/>
+              <a:buNone/>
+              <a:tabLst/>
+            </a:pPr>
+            <a:r>
+              <a:rPr kumimoji="0" lang="he-IL" altLang="he-IL" b="0" i="0" u="none" strike="noStrike" cap="none" normalizeH="0" baseline="0" dirty="0" smtClean="0">
+                <a:ln>
+                  <a:noFill/>
+                </a:ln>
+                <a:solidFill>
+                  <a:schemeClr val="tx1"/>
+                </a:solidFill>
+                <a:effectLst/>
+                <a:latin typeface="Calibri" panose="020F0502020204030204" pitchFamily="34" charset="0"/>
+                <a:ea typeface="Times New Roman" panose="02020603050405020304" pitchFamily="18" charset="0"/>
+              </a:rPr>
+              <a:t>לאחר מכן, נצטרך להפעיל את מסד הנתונים (במקרה שהוא לא מותקן כ</a:t>
+            </a:r>
+            <a:r>
+              <a:rPr kumimoji="0" lang="en-US" altLang="he-IL" b="0" i="0" u="none" strike="noStrike" cap="none" normalizeH="0" baseline="0" dirty="0" smtClean="0">
+                <a:ln>
+                  <a:noFill/>
+                </a:ln>
+                <a:solidFill>
+                  <a:schemeClr val="tx1"/>
+                </a:solidFill>
+                <a:effectLst/>
+                <a:latin typeface="Calibri" panose="020F0502020204030204" pitchFamily="34" charset="0"/>
+                <a:ea typeface="Times New Roman" panose="02020603050405020304" pitchFamily="18" charset="0"/>
+              </a:rPr>
+              <a:t>service</a:t>
+            </a:r>
+            <a:r>
+              <a:rPr kumimoji="0" lang="he-IL" altLang="he-IL" b="0" i="0" u="none" strike="noStrike" cap="none" normalizeH="0" baseline="0" dirty="0" smtClean="0">
+                <a:ln>
+                  <a:noFill/>
+                </a:ln>
+                <a:solidFill>
+                  <a:schemeClr val="tx1"/>
+                </a:solidFill>
+                <a:effectLst/>
+                <a:latin typeface="Calibri" panose="020F0502020204030204" pitchFamily="34" charset="0"/>
+                <a:ea typeface="Times New Roman" panose="02020603050405020304" pitchFamily="18" charset="0"/>
+              </a:rPr>
+              <a:t>)</a:t>
+            </a:r>
+            <a:endParaRPr kumimoji="0" lang="en-US" altLang="he-IL" b="0" i="0" u="none" strike="noStrike" cap="none" normalizeH="0" baseline="0" dirty="0" smtClean="0">
+              <a:ln>
+                <a:noFill/>
+              </a:ln>
+              <a:solidFill>
+                <a:schemeClr val="tx1"/>
+              </a:solidFill>
+              <a:effectLst/>
+            </a:endParaRPr>
+          </a:p>
+          <a:p>
+            <a:pPr marL="0" marR="0" lvl="0" indent="0" algn="r" defTabSz="914400" rtl="1" eaLnBrk="0" fontAlgn="base" latinLnBrk="0" hangingPunct="0">
+              <a:lnSpc>
+                <a:spcPct val="100000"/>
+              </a:lnSpc>
+              <a:spcBef>
+                <a:spcPct val="0"/>
+              </a:spcBef>
+              <a:spcAft>
+                <a:spcPct val="0"/>
+              </a:spcAft>
+              <a:buClrTx/>
+              <a:buSzTx/>
+              <a:buFontTx/>
+              <a:buNone/>
+              <a:tabLst/>
+            </a:pPr>
+            <a:r>
+              <a:rPr kumimoji="0" lang="he-IL" altLang="he-IL" b="0" i="0" u="none" strike="noStrike" cap="none" normalizeH="0" baseline="0" dirty="0" smtClean="0">
+                <a:ln>
+                  <a:noFill/>
+                </a:ln>
+                <a:solidFill>
+                  <a:schemeClr val="tx1"/>
+                </a:solidFill>
+                <a:effectLst/>
+                <a:latin typeface="Calibri" panose="020F0502020204030204" pitchFamily="34" charset="0"/>
+                <a:ea typeface="Times New Roman" panose="02020603050405020304" pitchFamily="18" charset="0"/>
+              </a:rPr>
+              <a:t>נכנס לכונן </a:t>
+            </a:r>
+            <a:r>
+              <a:rPr kumimoji="0" lang="en-US" altLang="he-IL" b="0" i="0" u="none" strike="noStrike" cap="none" normalizeH="0" baseline="0" dirty="0" smtClean="0">
+                <a:ln>
+                  <a:noFill/>
+                </a:ln>
+                <a:solidFill>
+                  <a:schemeClr val="tx1"/>
+                </a:solidFill>
+                <a:effectLst/>
+                <a:latin typeface="Calibri" panose="020F0502020204030204" pitchFamily="34" charset="0"/>
+                <a:ea typeface="Times New Roman" panose="02020603050405020304" pitchFamily="18" charset="0"/>
+              </a:rPr>
+              <a:t>C:</a:t>
+            </a:r>
+            <a:r>
+              <a:rPr kumimoji="0" lang="he-IL" altLang="he-IL" b="0" i="0" u="none" strike="noStrike" cap="none" normalizeH="0" baseline="0" dirty="0" smtClean="0">
+                <a:ln>
+                  <a:noFill/>
+                </a:ln>
+                <a:solidFill>
+                  <a:schemeClr val="tx1"/>
+                </a:solidFill>
+                <a:effectLst/>
+                <a:latin typeface="Calibri" panose="020F0502020204030204" pitchFamily="34" charset="0"/>
+                <a:ea typeface="Times New Roman" panose="02020603050405020304" pitchFamily="18" charset="0"/>
+              </a:rPr>
+              <a:t> -&gt; לתקייה  </a:t>
+            </a:r>
+            <a:r>
+              <a:rPr kumimoji="0" lang="en-US" altLang="he-IL" b="0" i="0" u="none" strike="noStrike" cap="none" normalizeH="0" baseline="0" dirty="0" smtClean="0">
+                <a:ln>
+                  <a:noFill/>
+                </a:ln>
+                <a:solidFill>
+                  <a:schemeClr val="tx1"/>
+                </a:solidFill>
+                <a:effectLst/>
+                <a:latin typeface="Calibri" panose="020F0502020204030204" pitchFamily="34" charset="0"/>
+                <a:ea typeface="Times New Roman" panose="02020603050405020304" pitchFamily="18" charset="0"/>
+              </a:rPr>
+              <a:t>program files  </a:t>
+            </a:r>
+            <a:r>
+              <a:rPr kumimoji="0" lang="he-IL" altLang="he-IL" b="0" i="0" u="none" strike="noStrike" cap="none" normalizeH="0" baseline="0" dirty="0" smtClean="0">
+                <a:ln>
+                  <a:noFill/>
+                </a:ln>
+                <a:solidFill>
+                  <a:schemeClr val="tx1"/>
+                </a:solidFill>
+                <a:effectLst/>
+                <a:latin typeface="Calibri" panose="020F0502020204030204" pitchFamily="34" charset="0"/>
+                <a:ea typeface="Times New Roman" panose="02020603050405020304" pitchFamily="18" charset="0"/>
+              </a:rPr>
+              <a:t> - &gt; לתיקייה </a:t>
+            </a:r>
+            <a:r>
+              <a:rPr kumimoji="0" lang="en-US" altLang="he-IL" b="0" i="0" u="none" strike="noStrike" cap="none" normalizeH="0" baseline="0" dirty="0" smtClean="0">
+                <a:ln>
+                  <a:noFill/>
+                </a:ln>
+                <a:solidFill>
+                  <a:schemeClr val="tx1"/>
+                </a:solidFill>
+                <a:effectLst/>
+                <a:latin typeface="Calibri" panose="020F0502020204030204" pitchFamily="34" charset="0"/>
+                <a:ea typeface="Times New Roman" panose="02020603050405020304" pitchFamily="18" charset="0"/>
+              </a:rPr>
+              <a:t>MongoDB</a:t>
+            </a:r>
+            <a:r>
+              <a:rPr kumimoji="0" lang="he-IL" altLang="he-IL" b="0" i="0" u="none" strike="noStrike" cap="none" normalizeH="0" baseline="0" dirty="0" smtClean="0">
+                <a:ln>
+                  <a:noFill/>
+                </a:ln>
+                <a:solidFill>
+                  <a:schemeClr val="tx1"/>
+                </a:solidFill>
+                <a:effectLst/>
+                <a:latin typeface="Calibri" panose="020F0502020204030204" pitchFamily="34" charset="0"/>
+                <a:ea typeface="Times New Roman" panose="02020603050405020304" pitchFamily="18" charset="0"/>
+              </a:rPr>
+              <a:t> -&gt; לתקייה בשם </a:t>
+            </a:r>
+            <a:r>
+              <a:rPr kumimoji="0" lang="en-US" altLang="he-IL" b="0" i="0" u="none" strike="noStrike" cap="none" normalizeH="0" baseline="0" dirty="0" smtClean="0">
+                <a:ln>
+                  <a:noFill/>
+                </a:ln>
+                <a:solidFill>
+                  <a:schemeClr val="tx1"/>
+                </a:solidFill>
+                <a:effectLst/>
+                <a:latin typeface="Calibri" panose="020F0502020204030204" pitchFamily="34" charset="0"/>
+                <a:ea typeface="Times New Roman" panose="02020603050405020304" pitchFamily="18" charset="0"/>
+              </a:rPr>
+              <a:t>server </a:t>
+            </a:r>
+            <a:r>
+              <a:rPr kumimoji="0" lang="he-IL" altLang="he-IL" b="0" i="0" u="none" strike="noStrike" cap="none" normalizeH="0" baseline="0" dirty="0" smtClean="0">
+                <a:ln>
+                  <a:noFill/>
+                </a:ln>
+                <a:solidFill>
+                  <a:schemeClr val="tx1"/>
+                </a:solidFill>
+                <a:effectLst/>
+                <a:latin typeface="Calibri" panose="020F0502020204030204" pitchFamily="34" charset="0"/>
+                <a:ea typeface="Times New Roman" panose="02020603050405020304" pitchFamily="18" charset="0"/>
+              </a:rPr>
+              <a:t> - &gt; לתקייה בשם 3.2 -&gt; לתקייה </a:t>
+            </a:r>
+            <a:r>
+              <a:rPr kumimoji="0" lang="en-US" altLang="he-IL" b="0" i="0" u="none" strike="noStrike" cap="none" normalizeH="0" baseline="0" dirty="0" smtClean="0">
+                <a:ln>
+                  <a:noFill/>
+                </a:ln>
+                <a:solidFill>
+                  <a:schemeClr val="tx1"/>
+                </a:solidFill>
+                <a:effectLst/>
+                <a:latin typeface="Calibri" panose="020F0502020204030204" pitchFamily="34" charset="0"/>
+                <a:ea typeface="Times New Roman" panose="02020603050405020304" pitchFamily="18" charset="0"/>
+              </a:rPr>
+              <a:t>bin </a:t>
+            </a:r>
+            <a:r>
+              <a:rPr kumimoji="0" lang="he-IL" altLang="he-IL" b="0" i="0" u="none" strike="noStrike" cap="none" normalizeH="0" baseline="0" dirty="0" smtClean="0">
+                <a:ln>
+                  <a:noFill/>
+                </a:ln>
+                <a:solidFill>
+                  <a:schemeClr val="tx1"/>
+                </a:solidFill>
+                <a:effectLst/>
+                <a:latin typeface="Calibri" panose="020F0502020204030204" pitchFamily="34" charset="0"/>
+                <a:ea typeface="Times New Roman" panose="02020603050405020304" pitchFamily="18" charset="0"/>
+              </a:rPr>
+              <a:t> - &gt; נריץ קובץ בשם </a:t>
+            </a:r>
+            <a:r>
+              <a:rPr kumimoji="0" lang="en-US" altLang="he-IL" b="0" i="0" u="none" strike="noStrike" cap="none" normalizeH="0" baseline="0" dirty="0" err="1" smtClean="0">
+                <a:ln>
+                  <a:noFill/>
+                </a:ln>
+                <a:solidFill>
+                  <a:schemeClr val="tx1"/>
+                </a:solidFill>
+                <a:effectLst/>
+                <a:latin typeface="Calibri" panose="020F0502020204030204" pitchFamily="34" charset="0"/>
+                <a:ea typeface="Times New Roman" panose="02020603050405020304" pitchFamily="18" charset="0"/>
+              </a:rPr>
+              <a:t>mongod</a:t>
+            </a:r>
+            <a:endParaRPr kumimoji="0" lang="en-US" altLang="he-IL" b="0" i="0" u="none" strike="noStrike" cap="none" normalizeH="0" baseline="0" dirty="0" smtClean="0">
+              <a:ln>
+                <a:noFill/>
+              </a:ln>
+              <a:solidFill>
+                <a:schemeClr val="tx1"/>
+              </a:solidFill>
+              <a:effectLst/>
+            </a:endParaRPr>
+          </a:p>
+          <a:p>
+            <a:pPr marL="0" marR="0" lvl="0" indent="0" algn="r" defTabSz="914400" rtl="0" eaLnBrk="0" fontAlgn="base" latinLnBrk="0" hangingPunct="0">
+              <a:lnSpc>
+                <a:spcPct val="100000"/>
+              </a:lnSpc>
+              <a:spcBef>
+                <a:spcPct val="0"/>
+              </a:spcBef>
+              <a:spcAft>
+                <a:spcPct val="0"/>
+              </a:spcAft>
+              <a:buClrTx/>
+              <a:buSzTx/>
+              <a:buFontTx/>
+              <a:buNone/>
+              <a:tabLst/>
+            </a:pPr>
+            <a:endParaRPr kumimoji="0" lang="en-US" altLang="he-IL" b="0" i="0" u="none" strike="noStrike" cap="none" normalizeH="0" baseline="0" dirty="0" smtClean="0">
+              <a:ln>
+                <a:noFill/>
+              </a:ln>
+              <a:solidFill>
+                <a:schemeClr val="tx1"/>
+              </a:solidFill>
+              <a:effectLst/>
+              <a:latin typeface="Arial" panose="020B0604020202020204" pitchFamily="34" charset="0"/>
+            </a:endParaRPr>
+          </a:p>
+        </p:txBody>
+      </p:sp>
+    </p:spTree>
+    <p:extLst>
+      <p:ext uri="{BB962C8B-B14F-4D97-AF65-F5344CB8AC3E}">
+        <p14:creationId xmlns:p14="http://schemas.microsoft.com/office/powerpoint/2010/main" val="3487543376"/>
+      </p:ext>
+    </p:extLst>
+  </p:cSld>
+  <p:clrMapOvr>
+    <a:masterClrMapping/>
+  </p:clrMapOvr>
+</p:sld>
+</file>
+
+<file path=ppt/slides/slide7.xml><?xml version="1.0" encoding="utf-8"?>
+<p:sld xmlns:a="http://schemas.openxmlformats.org/drawingml/2006/main" xmlns:r="http://schemas.openxmlformats.org/officeDocument/2006/relationships" xmlns:p="http://schemas.openxmlformats.org/presentationml/2006/main">
+  <p:cSld>
+    <p:spTree>
+      <p:nvGrpSpPr>
+        <p:cNvPr id="1" name=""/>
+        <p:cNvGrpSpPr/>
+        <p:nvPr/>
+      </p:nvGrpSpPr>
+      <p:grpSpPr>
+        <a:xfrm>
+          <a:off x="0" y="0"/>
+          <a:ext cx="0" cy="0"/>
+          <a:chOff x="0" y="0"/>
+          <a:chExt cx="0" cy="0"/>
+        </a:xfrm>
+      </p:grpSpPr>
+      <p:pic>
+        <p:nvPicPr>
+          <p:cNvPr id="3078" name="Picture 3"/>
+          <p:cNvPicPr>
+            <a:picLocks noChangeAspect="1" noChangeArrowheads="1"/>
+          </p:cNvPicPr>
+          <p:nvPr/>
+        </p:nvPicPr>
+        <p:blipFill>
+          <a:blip r:embed="rId2">
+            <a:extLst>
+              <a:ext uri="{28A0092B-C50C-407E-A947-70E740481C1C}">
+                <a14:useLocalDpi xmlns:a14="http://schemas.microsoft.com/office/drawing/2010/main" val="0"/>
+              </a:ext>
+            </a:extLst>
+          </a:blip>
+          <a:srcRect b="68057"/>
+          <a:stretch>
+            <a:fillRect/>
+          </a:stretch>
+        </p:blipFill>
+        <p:spPr bwMode="auto">
+          <a:xfrm>
+            <a:off x="2647950" y="2306595"/>
+            <a:ext cx="5213837" cy="1846388"/>
+          </a:xfrm>
+          <a:prstGeom prst="rect">
+            <a:avLst/>
+          </a:prstGeom>
+          <a:noFill/>
+          <a:extLst>
+            <a:ext uri="{909E8E84-426E-40DD-AFC4-6F175D3DCCD1}">
+              <a14:hiddenFill xmlns:a14="http://schemas.microsoft.com/office/drawing/2010/main">
+                <a:solidFill>
+                  <a:srgbClr val="FFFFFF"/>
+                </a:solidFill>
+              </a14:hiddenFill>
+            </a:ext>
+          </a:extLst>
+        </p:spPr>
+      </p:pic>
+      <p:sp>
+        <p:nvSpPr>
+          <p:cNvPr id="6" name="Rectangle 11"/>
+          <p:cNvSpPr>
+            <a:spLocks noChangeArrowheads="1"/>
+          </p:cNvSpPr>
+          <p:nvPr/>
+        </p:nvSpPr>
+        <p:spPr bwMode="auto">
+          <a:xfrm rot="10800000" flipV="1">
+            <a:off x="2471350" y="273256"/>
+            <a:ext cx="6161903" cy="1477328"/>
+          </a:xfrm>
+          <a:prstGeom prst="rect">
+            <a:avLst/>
+          </a:prstGeom>
+          <a:noFill/>
+          <a:ln>
+            <a:noFill/>
+          </a:ln>
+          <a:effectLst/>
+          <a:extLst>
+            <a:ext uri="{909E8E84-426E-40DD-AFC4-6F175D3DCCD1}">
+              <a14:hiddenFill xmlns:a14="http://schemas.microsoft.com/office/drawing/2010/main">
+                <a:solidFill>
+                  <a:schemeClr val="accent1"/>
+                </a:solidFill>
+              </a14:hiddenFill>
+            </a:ext>
+            <a:ext uri="{91240B29-F687-4F45-9708-019B960494DF}">
+              <a14:hiddenLine xmlns:a14="http://schemas.microsoft.com/office/drawing/2010/main" w="9525">
+                <a:solidFill>
+                  <a:schemeClr val="tx1"/>
+                </a:solidFill>
+                <a:miter lim="800000"/>
+                <a:headEnd/>
+                <a:tailEnd/>
+              </a14:hiddenLine>
+            </a:ext>
+            <a:ext uri="{AF507438-7753-43E0-B8FC-AC1667EBCBE1}">
+              <a14:hiddenEffects xmlns:a14="http://schemas.microsoft.com/office/drawing/2010/main">
+                <a:effectLst>
+                  <a:outerShdw dist="35921" dir="2700000" algn="ctr" rotWithShape="0">
+                    <a:schemeClr val="bg2"/>
+                  </a:outerShdw>
+                </a:effectLst>
+              </a14:hiddenEffects>
+            </a:ext>
+          </a:extLst>
+        </p:spPr>
+        <p:txBody>
+          <a:bodyPr vert="horz" wrap="square" lIns="91440" tIns="45720" rIns="91440" bIns="45720" numCol="1" anchor="ctr" anchorCtr="0" compatLnSpc="1">
+            <a:prstTxWarp prst="textNoShape">
+              <a:avLst/>
+            </a:prstTxWarp>
+            <a:spAutoFit/>
+          </a:bodyPr>
+          <a:lstStyle/>
+          <a:p>
+            <a:pPr marL="0" marR="0" lvl="0" indent="0" algn="r" defTabSz="914400" rtl="1" eaLnBrk="0" fontAlgn="base" latinLnBrk="0" hangingPunct="0">
+              <a:lnSpc>
+                <a:spcPct val="100000"/>
+              </a:lnSpc>
+              <a:spcBef>
+                <a:spcPct val="0"/>
+              </a:spcBef>
+              <a:spcAft>
+                <a:spcPct val="0"/>
+              </a:spcAft>
+              <a:buClrTx/>
+              <a:buSzTx/>
+              <a:buFontTx/>
+              <a:buNone/>
+              <a:tabLst/>
+            </a:pPr>
+            <a:r>
+              <a:rPr kumimoji="0" lang="he-IL" altLang="he-IL" b="0" i="0" u="none" strike="noStrike" cap="none" normalizeH="0" baseline="0" dirty="0" smtClean="0">
+                <a:ln>
+                  <a:noFill/>
+                </a:ln>
+                <a:solidFill>
+                  <a:schemeClr val="tx1"/>
+                </a:solidFill>
+                <a:effectLst/>
+                <a:latin typeface="Calibri" panose="020F0502020204030204" pitchFamily="34" charset="0"/>
+                <a:ea typeface="Times New Roman" panose="02020603050405020304" pitchFamily="18" charset="0"/>
+                <a:cs typeface="Arial" panose="020B0604020202020204" pitchFamily="34" charset="0"/>
+              </a:rPr>
+              <a:t>ועכשיו ניתן להריץ את השרת הראשי</a:t>
+            </a:r>
+            <a:endParaRPr kumimoji="0" lang="en-US" altLang="he-IL" b="0" i="0" u="none" strike="noStrike" cap="none" normalizeH="0" baseline="0" dirty="0" smtClean="0">
+              <a:ln>
+                <a:noFill/>
+              </a:ln>
+              <a:solidFill>
+                <a:schemeClr val="tx1"/>
+              </a:solidFill>
+              <a:effectLst/>
+            </a:endParaRPr>
+          </a:p>
+          <a:p>
+            <a:pPr marL="0" marR="0" lvl="0" indent="0" algn="r" defTabSz="914400" rtl="1" eaLnBrk="0" fontAlgn="base" latinLnBrk="0" hangingPunct="0">
+              <a:lnSpc>
+                <a:spcPct val="100000"/>
+              </a:lnSpc>
+              <a:spcBef>
+                <a:spcPct val="0"/>
+              </a:spcBef>
+              <a:spcAft>
+                <a:spcPct val="0"/>
+              </a:spcAft>
+              <a:buClrTx/>
+              <a:buSzTx/>
+              <a:buFontTx/>
+              <a:buNone/>
+              <a:tabLst/>
+            </a:pPr>
+            <a:r>
+              <a:rPr kumimoji="0" lang="he-IL" altLang="he-IL" b="0" i="0" u="none" strike="noStrike" cap="none" normalizeH="0" baseline="0" dirty="0" smtClean="0">
+                <a:ln>
+                  <a:noFill/>
+                </a:ln>
+                <a:solidFill>
+                  <a:schemeClr val="tx1"/>
+                </a:solidFill>
+                <a:effectLst/>
+                <a:latin typeface="Calibri" panose="020F0502020204030204" pitchFamily="34" charset="0"/>
+                <a:ea typeface="Times New Roman" panose="02020603050405020304" pitchFamily="18" charset="0"/>
+                <a:cs typeface="Arial" panose="020B0604020202020204" pitchFamily="34" charset="0"/>
+              </a:rPr>
+              <a:t>ניכנס לתיקייה של הפרויקט, נפתח חלון </a:t>
+            </a:r>
+            <a:r>
+              <a:rPr kumimoji="0" lang="en-US" altLang="he-IL" b="0" i="0" u="none" strike="noStrike" cap="none" normalizeH="0" baseline="0" dirty="0" err="1" smtClean="0">
+                <a:ln>
+                  <a:noFill/>
+                </a:ln>
+                <a:solidFill>
+                  <a:schemeClr val="tx1"/>
+                </a:solidFill>
+                <a:effectLst/>
+                <a:latin typeface="Calibri" panose="020F0502020204030204" pitchFamily="34" charset="0"/>
+                <a:ea typeface="Times New Roman" panose="02020603050405020304" pitchFamily="18" charset="0"/>
+                <a:cs typeface="Arial" panose="020B0604020202020204" pitchFamily="34" charset="0"/>
+              </a:rPr>
+              <a:t>powershell</a:t>
+            </a:r>
+            <a:r>
+              <a:rPr kumimoji="0" lang="en-US" altLang="he-IL" b="0" i="0" u="none" strike="noStrike" cap="none" normalizeH="0" baseline="0" dirty="0" smtClean="0">
+                <a:ln>
+                  <a:noFill/>
+                </a:ln>
+                <a:solidFill>
+                  <a:schemeClr val="tx1"/>
+                </a:solidFill>
+                <a:effectLst/>
+                <a:latin typeface="Calibri" panose="020F0502020204030204" pitchFamily="34" charset="0"/>
+                <a:ea typeface="Times New Roman" panose="02020603050405020304" pitchFamily="18" charset="0"/>
+                <a:cs typeface="Arial" panose="020B0604020202020204" pitchFamily="34" charset="0"/>
+              </a:rPr>
+              <a:t> </a:t>
+            </a:r>
+            <a:r>
+              <a:rPr kumimoji="0" lang="he-IL" altLang="he-IL" b="0" i="0" u="none" strike="noStrike" cap="none" normalizeH="0" baseline="0" dirty="0" smtClean="0">
+                <a:ln>
+                  <a:noFill/>
+                </a:ln>
+                <a:solidFill>
+                  <a:schemeClr val="tx1"/>
+                </a:solidFill>
+                <a:effectLst/>
+                <a:latin typeface="Calibri" panose="020F0502020204030204" pitchFamily="34" charset="0"/>
+                <a:ea typeface="Times New Roman" panose="02020603050405020304" pitchFamily="18" charset="0"/>
+                <a:cs typeface="Arial" panose="020B0604020202020204" pitchFamily="34" charset="0"/>
+              </a:rPr>
+              <a:t>ונכתוב את הפקודה </a:t>
+            </a:r>
+            <a:r>
+              <a:rPr kumimoji="0" lang="en-US" altLang="he-IL" b="0" i="0" u="none" strike="noStrike" cap="none" normalizeH="0" baseline="0" dirty="0" smtClean="0">
+                <a:ln>
+                  <a:noFill/>
+                </a:ln>
+                <a:solidFill>
+                  <a:schemeClr val="tx1"/>
+                </a:solidFill>
+                <a:effectLst/>
+                <a:latin typeface="Calibri" panose="020F0502020204030204" pitchFamily="34" charset="0"/>
+                <a:ea typeface="Times New Roman" panose="02020603050405020304" pitchFamily="18" charset="0"/>
+                <a:cs typeface="Arial" panose="020B0604020202020204" pitchFamily="34" charset="0"/>
+              </a:rPr>
+              <a:t>node server </a:t>
+            </a:r>
+            <a:r>
+              <a:rPr kumimoji="0" lang="he-IL" altLang="he-IL" b="0" i="0" u="none" strike="noStrike" cap="none" normalizeH="0" baseline="0" dirty="0" smtClean="0">
+                <a:ln>
+                  <a:noFill/>
+                </a:ln>
+                <a:solidFill>
+                  <a:schemeClr val="tx1"/>
+                </a:solidFill>
+                <a:effectLst/>
+                <a:latin typeface="Calibri" panose="020F0502020204030204" pitchFamily="34" charset="0"/>
+                <a:ea typeface="Times New Roman" panose="02020603050405020304" pitchFamily="18" charset="0"/>
+                <a:cs typeface="Arial" panose="020B0604020202020204" pitchFamily="34" charset="0"/>
+              </a:rPr>
+              <a:t> (במידה ונעשה שינוי במערכת נריץ לפני את פקודה </a:t>
+            </a:r>
+            <a:r>
+              <a:rPr kumimoji="0" lang="en-US" altLang="he-IL" b="0" i="0" u="none" strike="noStrike" cap="none" normalizeH="0" baseline="0" dirty="0" smtClean="0">
+                <a:ln>
+                  <a:noFill/>
+                </a:ln>
+                <a:solidFill>
+                  <a:schemeClr val="tx1"/>
+                </a:solidFill>
+                <a:effectLst/>
+                <a:latin typeface="Calibri" panose="020F0502020204030204" pitchFamily="34" charset="0"/>
+                <a:ea typeface="Times New Roman" panose="02020603050405020304" pitchFamily="18" charset="0"/>
+                <a:cs typeface="Arial" panose="020B0604020202020204" pitchFamily="34" charset="0"/>
+              </a:rPr>
+              <a:t>ng build</a:t>
+            </a:r>
+            <a:r>
+              <a:rPr kumimoji="0" lang="he-IL" altLang="he-IL" b="0" i="0" u="none" strike="noStrike" cap="none" normalizeH="0" baseline="0" dirty="0" smtClean="0">
+                <a:ln>
+                  <a:noFill/>
+                </a:ln>
+                <a:solidFill>
+                  <a:schemeClr val="tx1"/>
+                </a:solidFill>
+                <a:effectLst/>
+                <a:latin typeface="Calibri" panose="020F0502020204030204" pitchFamily="34" charset="0"/>
+                <a:ea typeface="Times New Roman" panose="02020603050405020304" pitchFamily="18" charset="0"/>
+                <a:cs typeface="Arial" panose="020B0604020202020204" pitchFamily="34" charset="0"/>
+              </a:rPr>
+              <a:t>).</a:t>
+            </a:r>
+            <a:endParaRPr kumimoji="0" lang="en-US" altLang="he-IL" b="0" i="0" u="none" strike="noStrike" cap="none" normalizeH="0" baseline="0" dirty="0" smtClean="0">
+              <a:ln>
+                <a:noFill/>
+              </a:ln>
+              <a:solidFill>
+                <a:schemeClr val="tx1"/>
+              </a:solidFill>
+              <a:effectLst/>
+            </a:endParaRPr>
+          </a:p>
+          <a:p>
+            <a:pPr marL="0" marR="0" lvl="0" indent="0" algn="r" defTabSz="914400" rtl="0" eaLnBrk="0" fontAlgn="base" latinLnBrk="0" hangingPunct="0">
+              <a:lnSpc>
+                <a:spcPct val="100000"/>
+              </a:lnSpc>
+              <a:spcBef>
+                <a:spcPct val="0"/>
+              </a:spcBef>
+              <a:spcAft>
+                <a:spcPct val="0"/>
+              </a:spcAft>
+              <a:buClrTx/>
+              <a:buSzTx/>
+              <a:buFontTx/>
+              <a:buNone/>
+              <a:tabLst/>
+            </a:pPr>
+            <a:endParaRPr kumimoji="0" lang="en-US" altLang="he-IL" b="0" i="0" u="none" strike="noStrike" cap="none" normalizeH="0" baseline="0" dirty="0" smtClean="0">
+              <a:ln>
+                <a:noFill/>
+              </a:ln>
+              <a:solidFill>
+                <a:schemeClr val="tx1"/>
+              </a:solidFill>
+              <a:effectLst/>
+              <a:latin typeface="Arial" panose="020B0604020202020204" pitchFamily="34" charset="0"/>
+              <a:cs typeface="Arial" panose="020B0604020202020204" pitchFamily="34" charset="0"/>
+            </a:endParaRPr>
+          </a:p>
+        </p:txBody>
+      </p:sp>
+      <p:sp>
+        <p:nvSpPr>
+          <p:cNvPr id="12" name="Rectangle 17"/>
+          <p:cNvSpPr>
+            <a:spLocks noChangeArrowheads="1"/>
+          </p:cNvSpPr>
+          <p:nvPr/>
+        </p:nvSpPr>
+        <p:spPr bwMode="auto">
+          <a:xfrm>
+            <a:off x="0" y="18154650"/>
+            <a:ext cx="12192000" cy="0"/>
+          </a:xfrm>
+          <a:prstGeom prst="rect">
+            <a:avLst/>
+          </a:prstGeom>
+          <a:noFill/>
+          <a:ln>
+            <a:noFill/>
+          </a:ln>
+          <a:effectLst/>
+          <a:extLst>
+            <a:ext uri="{909E8E84-426E-40DD-AFC4-6F175D3DCCD1}">
+              <a14:hiddenFill xmlns:a14="http://schemas.microsoft.com/office/drawing/2010/main">
+                <a:solidFill>
+                  <a:schemeClr val="accent1"/>
+                </a:solidFill>
+              </a14:hiddenFill>
+            </a:ext>
+            <a:ext uri="{91240B29-F687-4F45-9708-019B960494DF}">
+              <a14:hiddenLine xmlns:a14="http://schemas.microsoft.com/office/drawing/2010/main" w="9525">
+                <a:solidFill>
+                  <a:schemeClr val="tx1"/>
+                </a:solidFill>
+                <a:miter lim="800000"/>
+                <a:headEnd/>
+                <a:tailEnd/>
+              </a14:hiddenLine>
+            </a:ext>
+            <a:ext uri="{AF507438-7753-43E0-B8FC-AC1667EBCBE1}">
+              <a14:hiddenEffects xmlns:a14="http://schemas.microsoft.com/office/drawing/2010/main">
+                <a:effectLst>
+                  <a:outerShdw dist="35921" dir="2700000" algn="ctr" rotWithShape="0">
+                    <a:schemeClr val="bg2"/>
+                  </a:outerShdw>
+                </a:effectLst>
+              </a14:hiddenEffects>
+            </a:ext>
+          </a:extLst>
+        </p:spPr>
+        <p:txBody>
+          <a:bodyPr vert="horz" wrap="none" lIns="91440" tIns="45720" rIns="91440" bIns="45720" numCol="1" anchor="ctr" anchorCtr="0" compatLnSpc="1">
+            <a:prstTxWarp prst="textNoShape">
+              <a:avLst/>
+            </a:prstTxWarp>
+            <a:spAutoFit/>
+          </a:bodyPr>
+          <a:lstStyle/>
+          <a:p>
+            <a:endParaRPr lang="he-IL"/>
+          </a:p>
+        </p:txBody>
+      </p:sp>
+    </p:spTree>
+    <p:extLst>
+      <p:ext uri="{BB962C8B-B14F-4D97-AF65-F5344CB8AC3E}">
+        <p14:creationId xmlns:p14="http://schemas.microsoft.com/office/powerpoint/2010/main" val="421220863"/>
+      </p:ext>
+    </p:extLst>
+  </p:cSld>
+  <p:clrMapOvr>
+    <a:masterClrMapping/>
+  </p:clrMapOvr>
+  <p:timing>
+    <p:tnLst>
+      <p:par>
+        <p:cTn id="1" dur="indefinite" restart="never" nodeType="tmRoot"/>
+      </p:par>
+    </p:tnLst>
+  </p:timing>
+</p:sld>
+</file>
+
+<file path=ppt/slides/slide8.xml><?xml version="1.0" encoding="utf-8"?>
+<p:sld xmlns:a="http://schemas.openxmlformats.org/drawingml/2006/main" xmlns:r="http://schemas.openxmlformats.org/officeDocument/2006/relationships" xmlns:p="http://schemas.openxmlformats.org/presentationml/2006/main">
+  <p:cSld>
+    <p:spTree>
+      <p:nvGrpSpPr>
+        <p:cNvPr id="1" name=""/>
+        <p:cNvGrpSpPr/>
+        <p:nvPr/>
+      </p:nvGrpSpPr>
+      <p:grpSpPr>
+        <a:xfrm>
+          <a:off x="0" y="0"/>
+          <a:ext cx="0" cy="0"/>
+          <a:chOff x="0" y="0"/>
+          <a:chExt cx="0" cy="0"/>
+        </a:xfrm>
+      </p:grpSpPr>
+      <p:pic>
+        <p:nvPicPr>
+          <p:cNvPr id="4" name="Picture 4"/>
+          <p:cNvPicPr>
+            <a:picLocks noChangeAspect="1" noChangeArrowheads="1"/>
+          </p:cNvPicPr>
+          <p:nvPr/>
+        </p:nvPicPr>
+        <p:blipFill>
+          <a:blip r:embed="rId2">
+            <a:extLst>
+              <a:ext uri="{28A0092B-C50C-407E-A947-70E740481C1C}">
+                <a14:useLocalDpi xmlns:a14="http://schemas.microsoft.com/office/drawing/2010/main" val="0"/>
+              </a:ext>
+            </a:extLst>
+          </a:blip>
+          <a:srcRect/>
+          <a:stretch>
+            <a:fillRect/>
+          </a:stretch>
+        </p:blipFill>
+        <p:spPr bwMode="auto">
+          <a:xfrm>
+            <a:off x="1993556" y="1904190"/>
+            <a:ext cx="7249297" cy="4069551"/>
+          </a:xfrm>
+          <a:prstGeom prst="rect">
+            <a:avLst/>
+          </a:prstGeom>
+          <a:noFill/>
+          <a:extLst>
+            <a:ext uri="{909E8E84-426E-40DD-AFC4-6F175D3DCCD1}">
+              <a14:hiddenFill xmlns:a14="http://schemas.microsoft.com/office/drawing/2010/main">
+                <a:solidFill>
+                  <a:srgbClr val="FFFFFF"/>
+                </a:solidFill>
+              </a14:hiddenFill>
+            </a:ext>
+          </a:extLst>
+        </p:spPr>
+      </p:pic>
+      <p:sp>
+        <p:nvSpPr>
+          <p:cNvPr id="5" name="Rectangle 12"/>
+          <p:cNvSpPr>
+            <a:spLocks noChangeArrowheads="1"/>
+          </p:cNvSpPr>
+          <p:nvPr/>
+        </p:nvSpPr>
+        <p:spPr bwMode="auto">
+          <a:xfrm>
+            <a:off x="1120346" y="426862"/>
+            <a:ext cx="8608539" cy="1477328"/>
+          </a:xfrm>
+          <a:prstGeom prst="rect">
+            <a:avLst/>
+          </a:prstGeom>
+          <a:noFill/>
+          <a:ln>
+            <a:noFill/>
+          </a:ln>
+          <a:effectLst/>
+          <a:extLst>
+            <a:ext uri="{909E8E84-426E-40DD-AFC4-6F175D3DCCD1}">
+              <a14:hiddenFill xmlns:a14="http://schemas.microsoft.com/office/drawing/2010/main">
+                <a:solidFill>
+                  <a:schemeClr val="accent1"/>
+                </a:solidFill>
+              </a14:hiddenFill>
+            </a:ext>
+            <a:ext uri="{91240B29-F687-4F45-9708-019B960494DF}">
+              <a14:hiddenLine xmlns:a14="http://schemas.microsoft.com/office/drawing/2010/main" w="9525">
+                <a:solidFill>
+                  <a:schemeClr val="tx1"/>
+                </a:solidFill>
+                <a:miter lim="800000"/>
+                <a:headEnd/>
+                <a:tailEnd/>
+              </a14:hiddenLine>
+            </a:ext>
+            <a:ext uri="{AF507438-7753-43E0-B8FC-AC1667EBCBE1}">
+              <a14:hiddenEffects xmlns:a14="http://schemas.microsoft.com/office/drawing/2010/main">
+                <a:effectLst>
+                  <a:outerShdw dist="35921" dir="2700000" algn="ctr" rotWithShape="0">
+                    <a:schemeClr val="bg2"/>
+                  </a:outerShdw>
+                </a:effectLst>
+              </a14:hiddenEffects>
+            </a:ext>
+          </a:extLst>
+        </p:spPr>
+        <p:txBody>
+          <a:bodyPr vert="horz" wrap="square" lIns="91440" tIns="45720" rIns="91440" bIns="45720" numCol="1" anchor="ctr" anchorCtr="0" compatLnSpc="1">
+            <a:prstTxWarp prst="textNoShape">
+              <a:avLst/>
+            </a:prstTxWarp>
+            <a:spAutoFit/>
+          </a:bodyPr>
+          <a:lstStyle/>
+          <a:p>
+            <a:pPr marL="0" marR="0" lvl="0" indent="0" algn="r" defTabSz="914400" rtl="1" eaLnBrk="0" fontAlgn="base" latinLnBrk="0" hangingPunct="0">
+              <a:lnSpc>
+                <a:spcPct val="100000"/>
+              </a:lnSpc>
+              <a:spcBef>
+                <a:spcPct val="0"/>
+              </a:spcBef>
+              <a:spcAft>
+                <a:spcPct val="0"/>
+              </a:spcAft>
+              <a:buClrTx/>
+              <a:buSzTx/>
+              <a:buFontTx/>
+              <a:buNone/>
+              <a:tabLst/>
+            </a:pPr>
+            <a:r>
+              <a:rPr kumimoji="0" lang="he-IL" altLang="he-IL" b="0" i="0" u="none" strike="noStrike" cap="none" normalizeH="0" baseline="0" dirty="0" smtClean="0">
+                <a:ln>
+                  <a:noFill/>
+                </a:ln>
+                <a:solidFill>
+                  <a:schemeClr val="tx1"/>
+                </a:solidFill>
+                <a:effectLst/>
+                <a:latin typeface="Calibri" panose="020F0502020204030204" pitchFamily="34" charset="0"/>
+                <a:ea typeface="Times New Roman" panose="02020603050405020304" pitchFamily="18" charset="0"/>
+                <a:cs typeface="Arial" panose="020B0604020202020204" pitchFamily="34" charset="0"/>
+              </a:rPr>
+              <a:t>עכשיו ניכנס לדפדפן (כרום) ונכתוב: אם אנחנו במחשב שבו רץ השרת, </a:t>
+            </a:r>
+            <a:r>
+              <a:rPr kumimoji="0" lang="en-US" altLang="he-IL" b="0" i="0" u="none" strike="noStrike" cap="none" normalizeH="0" baseline="0" dirty="0" smtClean="0">
+                <a:ln>
+                  <a:noFill/>
+                </a:ln>
+                <a:solidFill>
+                  <a:schemeClr val="tx1"/>
+                </a:solidFill>
+                <a:effectLst/>
+                <a:latin typeface="Calibri" panose="020F0502020204030204" pitchFamily="34" charset="0"/>
+                <a:ea typeface="Times New Roman" panose="02020603050405020304" pitchFamily="18" charset="0"/>
+                <a:cs typeface="Arial" panose="020B0604020202020204" pitchFamily="34" charset="0"/>
+              </a:rPr>
+              <a:t>localhost:3000</a:t>
+            </a:r>
+            <a:endParaRPr kumimoji="0" lang="en-US" altLang="he-IL" b="0" i="0" u="none" strike="noStrike" cap="none" normalizeH="0" baseline="0" dirty="0" smtClean="0">
+              <a:ln>
+                <a:noFill/>
+              </a:ln>
+              <a:solidFill>
+                <a:schemeClr val="tx1"/>
+              </a:solidFill>
+              <a:effectLst/>
+            </a:endParaRPr>
+          </a:p>
+          <a:p>
+            <a:pPr marL="0" marR="0" lvl="0" indent="0" algn="r" defTabSz="914400" rtl="1" eaLnBrk="0" fontAlgn="base" latinLnBrk="0" hangingPunct="0">
+              <a:lnSpc>
+                <a:spcPct val="100000"/>
+              </a:lnSpc>
+              <a:spcBef>
+                <a:spcPct val="0"/>
+              </a:spcBef>
+              <a:spcAft>
+                <a:spcPct val="0"/>
+              </a:spcAft>
+              <a:buClrTx/>
+              <a:buSzTx/>
+              <a:buFontTx/>
+              <a:buNone/>
+              <a:tabLst/>
+            </a:pPr>
+            <a:r>
+              <a:rPr kumimoji="0" lang="he-IL" altLang="he-IL" b="0" i="0" u="none" strike="noStrike" cap="none" normalizeH="0" baseline="0" dirty="0" smtClean="0">
+                <a:ln>
+                  <a:noFill/>
+                </a:ln>
+                <a:solidFill>
+                  <a:schemeClr val="tx1"/>
+                </a:solidFill>
+                <a:effectLst/>
+                <a:latin typeface="Calibri" panose="020F0502020204030204" pitchFamily="34" charset="0"/>
+                <a:ea typeface="Times New Roman" panose="02020603050405020304" pitchFamily="18" charset="0"/>
+                <a:cs typeface="Arial" panose="020B0604020202020204" pitchFamily="34" charset="0"/>
+              </a:rPr>
+              <a:t>במידה ואנחנו על מחשב אחר ברשת, נכתוב את כתובת ה</a:t>
+            </a:r>
+            <a:r>
+              <a:rPr kumimoji="0" lang="en-US" altLang="he-IL" b="0" i="0" u="none" strike="noStrike" cap="none" normalizeH="0" baseline="0" dirty="0" err="1" smtClean="0">
+                <a:ln>
+                  <a:noFill/>
+                </a:ln>
+                <a:solidFill>
+                  <a:schemeClr val="tx1"/>
+                </a:solidFill>
+                <a:effectLst/>
+                <a:latin typeface="Calibri" panose="020F0502020204030204" pitchFamily="34" charset="0"/>
+                <a:ea typeface="Times New Roman" panose="02020603050405020304" pitchFamily="18" charset="0"/>
+                <a:cs typeface="Arial" panose="020B0604020202020204" pitchFamily="34" charset="0"/>
+              </a:rPr>
+              <a:t>ip</a:t>
+            </a:r>
+            <a:r>
+              <a:rPr kumimoji="0" lang="en-US" altLang="he-IL" b="0" i="0" u="none" strike="noStrike" cap="none" normalizeH="0" baseline="0" dirty="0" smtClean="0">
+                <a:ln>
+                  <a:noFill/>
+                </a:ln>
+                <a:solidFill>
+                  <a:schemeClr val="tx1"/>
+                </a:solidFill>
+                <a:effectLst/>
+                <a:latin typeface="Calibri" panose="020F0502020204030204" pitchFamily="34" charset="0"/>
+                <a:ea typeface="Times New Roman" panose="02020603050405020304" pitchFamily="18" charset="0"/>
+                <a:cs typeface="Arial" panose="020B0604020202020204" pitchFamily="34" charset="0"/>
+              </a:rPr>
+              <a:t> </a:t>
+            </a:r>
+            <a:r>
+              <a:rPr kumimoji="0" lang="he-IL" altLang="he-IL" b="0" i="0" u="none" strike="noStrike" cap="none" normalizeH="0" baseline="0" dirty="0" smtClean="0">
+                <a:ln>
+                  <a:noFill/>
+                </a:ln>
+                <a:solidFill>
+                  <a:schemeClr val="tx1"/>
+                </a:solidFill>
+                <a:effectLst/>
+                <a:latin typeface="Calibri" panose="020F0502020204030204" pitchFamily="34" charset="0"/>
+                <a:ea typeface="Times New Roman" panose="02020603050405020304" pitchFamily="18" charset="0"/>
+                <a:cs typeface="Arial" panose="020B0604020202020204" pitchFamily="34" charset="0"/>
+              </a:rPr>
+              <a:t> של השרת לדוגמא 192.168.1.123:3000</a:t>
+            </a:r>
+            <a:endParaRPr kumimoji="0" lang="en-US" altLang="he-IL" b="0" i="0" u="none" strike="noStrike" cap="none" normalizeH="0" baseline="0" dirty="0" smtClean="0">
+              <a:ln>
+                <a:noFill/>
+              </a:ln>
+              <a:solidFill>
+                <a:schemeClr val="tx1"/>
+              </a:solidFill>
+              <a:effectLst/>
+            </a:endParaRPr>
+          </a:p>
+          <a:p>
+            <a:pPr marL="0" marR="0" lvl="0" indent="0" algn="r" defTabSz="914400" rtl="1" eaLnBrk="0" fontAlgn="base" latinLnBrk="0" hangingPunct="0">
+              <a:lnSpc>
+                <a:spcPct val="100000"/>
+              </a:lnSpc>
+              <a:spcBef>
+                <a:spcPct val="0"/>
+              </a:spcBef>
+              <a:spcAft>
+                <a:spcPct val="0"/>
+              </a:spcAft>
+              <a:buClrTx/>
+              <a:buSzTx/>
+              <a:buFontTx/>
+              <a:buNone/>
+              <a:tabLst/>
+            </a:pPr>
+            <a:r>
+              <a:rPr kumimoji="0" lang="he-IL" altLang="he-IL" b="0" i="0" u="none" strike="noStrike" cap="none" normalizeH="0" baseline="0" dirty="0" smtClean="0">
+                <a:ln>
+                  <a:noFill/>
+                </a:ln>
+                <a:solidFill>
+                  <a:schemeClr val="tx1"/>
+                </a:solidFill>
+                <a:effectLst/>
+                <a:latin typeface="Calibri" panose="020F0502020204030204" pitchFamily="34" charset="0"/>
+                <a:ea typeface="Times New Roman" panose="02020603050405020304" pitchFamily="18" charset="0"/>
+                <a:cs typeface="Arial" panose="020B0604020202020204" pitchFamily="34" charset="0"/>
+              </a:rPr>
+              <a:t>בהתחלה נראה מסך טעינה</a:t>
+            </a:r>
+            <a:r>
+              <a:rPr kumimoji="0" lang="en-US" altLang="he-IL" b="0" i="0" u="none" strike="noStrike" cap="none" normalizeH="0" baseline="0" dirty="0" smtClean="0">
+                <a:ln>
+                  <a:noFill/>
+                </a:ln>
+                <a:solidFill>
+                  <a:schemeClr val="tx1"/>
+                </a:solidFill>
+                <a:effectLst/>
+                <a:latin typeface="Calibri" panose="020F0502020204030204" pitchFamily="34" charset="0"/>
+                <a:ea typeface="Times New Roman" panose="02020603050405020304" pitchFamily="18" charset="0"/>
+                <a:cs typeface="Arial" panose="020B0604020202020204" pitchFamily="34" charset="0"/>
+              </a:rPr>
+              <a:t>:</a:t>
+            </a:r>
+            <a:endParaRPr kumimoji="0" lang="en-US" altLang="he-IL" b="0" i="0" u="none" strike="noStrike" cap="none" normalizeH="0" baseline="0" dirty="0" smtClean="0">
+              <a:ln>
+                <a:noFill/>
+              </a:ln>
+              <a:solidFill>
+                <a:schemeClr val="tx1"/>
+              </a:solidFill>
+              <a:effectLst/>
+            </a:endParaRPr>
+          </a:p>
+          <a:p>
+            <a:pPr marL="0" marR="0" lvl="0" indent="0" algn="r" defTabSz="914400" rtl="0" eaLnBrk="0" fontAlgn="base" latinLnBrk="0" hangingPunct="0">
+              <a:lnSpc>
+                <a:spcPct val="100000"/>
+              </a:lnSpc>
+              <a:spcBef>
+                <a:spcPct val="0"/>
+              </a:spcBef>
+              <a:spcAft>
+                <a:spcPct val="0"/>
+              </a:spcAft>
+              <a:buClrTx/>
+              <a:buSzTx/>
+              <a:buFontTx/>
+              <a:buNone/>
+              <a:tabLst/>
+            </a:pPr>
+            <a:endParaRPr kumimoji="0" lang="en-US" altLang="he-IL" b="0" i="0" u="none" strike="noStrike" cap="none" normalizeH="0" baseline="0" dirty="0" smtClean="0">
+              <a:ln>
+                <a:noFill/>
+              </a:ln>
+              <a:solidFill>
+                <a:schemeClr val="tx1"/>
+              </a:solidFill>
+              <a:effectLst/>
+              <a:latin typeface="Arial" panose="020B0604020202020204" pitchFamily="34" charset="0"/>
+              <a:cs typeface="Arial" panose="020B0604020202020204" pitchFamily="34" charset="0"/>
+            </a:endParaRPr>
+          </a:p>
+        </p:txBody>
+      </p:sp>
+    </p:spTree>
+    <p:extLst>
+      <p:ext uri="{BB962C8B-B14F-4D97-AF65-F5344CB8AC3E}">
+        <p14:creationId xmlns:p14="http://schemas.microsoft.com/office/powerpoint/2010/main" val="3254695604"/>
+      </p:ext>
+    </p:extLst>
+  </p:cSld>
+  <p:clrMapOvr>
+    <a:masterClrMapping/>
+  </p:clrMapOvr>
+  <p:timing>
+    <p:tnLst>
+      <p:par>
+        <p:cTn id="1" dur="indefinite" restart="never" nodeType="tmRoot"/>
+      </p:par>
+    </p:tnLst>
+  </p:timing>
+</p:sld>
+</file>
+
+<file path=ppt/slides/slide9.xml><?xml version="1.0" encoding="utf-8"?>
+<p:sld xmlns:a="http://schemas.openxmlformats.org/drawingml/2006/main" xmlns:r="http://schemas.openxmlformats.org/officeDocument/2006/relationships" xmlns:p="http://schemas.openxmlformats.org/presentationml/2006/main">
+  <p:cSld>
+    <p:spTree>
+      <p:nvGrpSpPr>
+        <p:cNvPr id="1" name=""/>
+        <p:cNvGrpSpPr/>
+        <p:nvPr/>
+      </p:nvGrpSpPr>
+      <p:grpSpPr>
+        <a:xfrm>
+          <a:off x="0" y="0"/>
+          <a:ext cx="0" cy="0"/>
+          <a:chOff x="0" y="0"/>
+          <a:chExt cx="0" cy="0"/>
+        </a:xfrm>
+      </p:grpSpPr>
+      <p:sp>
+        <p:nvSpPr>
+          <p:cNvPr id="5" name="Rectangle 13"/>
+          <p:cNvSpPr>
+            <a:spLocks noChangeArrowheads="1"/>
+          </p:cNvSpPr>
+          <p:nvPr/>
+        </p:nvSpPr>
+        <p:spPr bwMode="auto">
+          <a:xfrm>
+            <a:off x="4558093" y="662988"/>
+            <a:ext cx="2787941" cy="584775"/>
+          </a:xfrm>
+          <a:prstGeom prst="rect">
+            <a:avLst/>
+          </a:prstGeom>
+          <a:noFill/>
+          <a:ln>
+            <a:noFill/>
+          </a:ln>
+          <a:effectLst/>
+          <a:extLst>
+            <a:ext uri="{909E8E84-426E-40DD-AFC4-6F175D3DCCD1}">
+              <a14:hiddenFill xmlns:a14="http://schemas.microsoft.com/office/drawing/2010/main">
+                <a:solidFill>
+                  <a:schemeClr val="accent1"/>
+                </a:solidFill>
+              </a14:hiddenFill>
+            </a:ext>
+            <a:ext uri="{91240B29-F687-4F45-9708-019B960494DF}">
+              <a14:hiddenLine xmlns:a14="http://schemas.microsoft.com/office/drawing/2010/main" w="9525">
+                <a:solidFill>
+                  <a:schemeClr val="tx1"/>
+                </a:solidFill>
+                <a:miter lim="800000"/>
+                <a:headEnd/>
+                <a:tailEnd/>
+              </a14:hiddenLine>
+            </a:ext>
+            <a:ext uri="{AF507438-7753-43E0-B8FC-AC1667EBCBE1}">
+              <a14:hiddenEffects xmlns:a14="http://schemas.microsoft.com/office/drawing/2010/main">
+                <a:effectLst>
+                  <a:outerShdw dist="35921" dir="2700000" algn="ctr" rotWithShape="0">
+                    <a:schemeClr val="bg2"/>
+                  </a:outerShdw>
+                </a:effectLst>
+              </a14:hiddenEffects>
+            </a:ext>
+          </a:extLst>
+        </p:spPr>
+        <p:txBody>
+          <a:bodyPr vert="horz" wrap="square" lIns="91440" tIns="45720" rIns="91440" bIns="45720" numCol="1" anchor="ctr" anchorCtr="0" compatLnSpc="1">
+            <a:prstTxWarp prst="textNoShape">
+              <a:avLst/>
+            </a:prstTxWarp>
+            <a:spAutoFit/>
+          </a:bodyPr>
+          <a:lstStyle/>
+          <a:p>
+            <a:pPr marL="0" marR="0" lvl="0" indent="0" algn="ctr" defTabSz="914400" rtl="1" eaLnBrk="0" fontAlgn="base" latinLnBrk="0" hangingPunct="0">
+              <a:lnSpc>
+                <a:spcPct val="100000"/>
+              </a:lnSpc>
+              <a:spcBef>
+                <a:spcPct val="0"/>
+              </a:spcBef>
+              <a:spcAft>
+                <a:spcPct val="0"/>
+              </a:spcAft>
+              <a:buClrTx/>
+              <a:buSzTx/>
+              <a:buFontTx/>
+              <a:buNone/>
+              <a:tabLst/>
+            </a:pPr>
+            <a:r>
+              <a:rPr kumimoji="0" lang="he-IL" altLang="he-IL" sz="2000" b="0" i="0" u="none" strike="noStrike" cap="none" normalizeH="0" baseline="0" dirty="0" smtClean="0">
+                <a:ln>
+                  <a:noFill/>
+                </a:ln>
+                <a:solidFill>
+                  <a:schemeClr val="tx1"/>
+                </a:solidFill>
+                <a:effectLst/>
+                <a:latin typeface="Calibri" panose="020F0502020204030204" pitchFamily="34" charset="0"/>
+                <a:ea typeface="Times New Roman" panose="02020603050405020304" pitchFamily="18" charset="0"/>
+                <a:cs typeface="Arial" panose="020B0604020202020204" pitchFamily="34" charset="0"/>
+              </a:rPr>
+              <a:t>ואז יעלה המסך הראשי</a:t>
+            </a:r>
+          </a:p>
+          <a:p>
+            <a:pPr marL="0" marR="0" lvl="0" indent="0" algn="ctr" defTabSz="914400" rtl="1" eaLnBrk="0" fontAlgn="base" latinLnBrk="0" hangingPunct="0">
+              <a:lnSpc>
+                <a:spcPct val="100000"/>
+              </a:lnSpc>
+              <a:spcBef>
+                <a:spcPct val="0"/>
+              </a:spcBef>
+              <a:spcAft>
+                <a:spcPct val="0"/>
+              </a:spcAft>
+              <a:buClrTx/>
+              <a:buSzTx/>
+              <a:buFontTx/>
+              <a:buNone/>
+              <a:tabLst/>
+            </a:pPr>
+            <a:r>
+              <a:rPr lang="he-IL" altLang="he-IL" sz="1200" dirty="0" smtClean="0">
+                <a:latin typeface="Calibri" panose="020F0502020204030204" pitchFamily="34" charset="0"/>
+                <a:cs typeface="Arial" panose="020B0604020202020204" pitchFamily="34" charset="0"/>
+              </a:rPr>
+              <a:t>לחץ אנטר כדי להציג את תפריט העזרה</a:t>
+            </a:r>
+            <a:endParaRPr kumimoji="0" lang="en-US" altLang="he-IL" sz="1100" b="0" i="0" u="none" strike="noStrike" cap="none" normalizeH="0" baseline="0" dirty="0" smtClean="0">
+              <a:ln>
+                <a:noFill/>
+              </a:ln>
+              <a:solidFill>
+                <a:schemeClr val="tx1"/>
+              </a:solidFill>
+              <a:effectLst/>
+              <a:latin typeface="Arial" panose="020B0604020202020204" pitchFamily="34" charset="0"/>
+              <a:cs typeface="Arial" panose="020B0604020202020204" pitchFamily="34" charset="0"/>
+            </a:endParaRPr>
+          </a:p>
+        </p:txBody>
+      </p:sp>
+      <p:pic>
+        <p:nvPicPr>
+          <p:cNvPr id="6" name="Picture 5"/>
+          <p:cNvPicPr>
+            <a:picLocks noChangeAspect="1"/>
+          </p:cNvPicPr>
+          <p:nvPr/>
+        </p:nvPicPr>
+        <p:blipFill>
+          <a:blip r:embed="rId2"/>
+          <a:stretch>
+            <a:fillRect/>
+          </a:stretch>
+        </p:blipFill>
+        <p:spPr>
+          <a:xfrm>
+            <a:off x="1944129" y="1677428"/>
+            <a:ext cx="7891849" cy="4439165"/>
+          </a:xfrm>
+          <a:prstGeom prst="rect">
+            <a:avLst/>
+          </a:prstGeom>
+        </p:spPr>
+      </p:pic>
+      <p:pic>
+        <p:nvPicPr>
+          <p:cNvPr id="7" name="Picture 6"/>
+          <p:cNvPicPr>
+            <a:picLocks noChangeAspect="1"/>
+          </p:cNvPicPr>
+          <p:nvPr/>
+        </p:nvPicPr>
+        <p:blipFill>
+          <a:blip r:embed="rId3"/>
+          <a:stretch>
+            <a:fillRect/>
+          </a:stretch>
+        </p:blipFill>
+        <p:spPr>
+          <a:xfrm>
+            <a:off x="1944129" y="1677427"/>
+            <a:ext cx="7897164" cy="4442155"/>
+          </a:xfrm>
+          <a:prstGeom prst="rect">
+            <a:avLst/>
+          </a:prstGeom>
+        </p:spPr>
+      </p:pic>
+    </p:spTree>
+    <p:extLst>
+      <p:ext uri="{BB962C8B-B14F-4D97-AF65-F5344CB8AC3E}">
+        <p14:creationId xmlns:p14="http://schemas.microsoft.com/office/powerpoint/2010/main" val="3407451623"/>
+      </p:ext>
+    </p:extLst>
+  </p:cSld>
+  <p:clrMapOvr>
+    <a:masterClrMapping/>
+  </p:clrMapOvr>
+  <mc:AlternateContent xmlns:mc="http://schemas.openxmlformats.org/markup-compatibility/2006">
+    <mc:Choice xmlns:p14="http://schemas.microsoft.com/office/powerpoint/2010/main" Requires="p14">
+      <p:transition p14:dur="0"/>
+    </mc:Choice>
+    <mc:Fallback>
+      <p:transition/>
+    </mc:Fallback>
+  </mc:AlternateContent>
+  <p:timing>
+    <p:tnLst>
+      <p:par>
+        <p:cTn id="1" dur="indefinite" restart="never" nodeType="tmRoot">
+          <p:childTnLst>
+            <p:seq concurrent="1" nextAc="seek">
+              <p:cTn id="2" dur="indefinite" nodeType="mainSeq">
+                <p:childTnLst>
+                  <p:par>
+                    <p:cTn id="3" fill="hold">
+                      <p:stCondLst>
+                        <p:cond delay="indefinite"/>
+                      </p:stCondLst>
+                      <p:childTnLst>
+                        <p:par>
+                          <p:cTn id="4" fill="hold">
+                            <p:stCondLst>
+                              <p:cond delay="0"/>
+                            </p:stCondLst>
+                            <p:childTnLst>
+                              <p:par>
+                                <p:cTn id="5" presetID="10" presetClass="entr" presetSubtype="0" fill="hold" nodeType="clickEffect">
+                                  <p:stCondLst>
+                                    <p:cond delay="0"/>
+                                  </p:stCondLst>
+                                  <p:childTnLst>
+                                    <p:set>
+                                      <p:cBhvr>
+                                        <p:cTn id="6" dur="1" fill="hold">
+                                          <p:stCondLst>
+                                            <p:cond delay="0"/>
+                                          </p:stCondLst>
+                                        </p:cTn>
+                                        <p:tgtEl>
+                                          <p:spTgt spid="7"/>
+                                        </p:tgtEl>
+                                        <p:attrNameLst>
+                                          <p:attrName>style.visibility</p:attrName>
+                                        </p:attrNameLst>
+                                      </p:cBhvr>
+                                      <p:to>
+                                        <p:strVal val="visible"/>
+                                      </p:to>
+                                    </p:set>
+                                    <p:animEffect transition="in" filter="fade">
+                                      <p:cBhvr>
+                                        <p:cTn id="7" dur="500"/>
+                                        <p:tgtEl>
+                                          <p:spTgt spid="7"/>
+                                        </p:tgtEl>
+                                      </p:cBhvr>
+                                    </p:animEffect>
+                                  </p:childTnLst>
+                                </p:cTn>
+                              </p:par>
+                            </p:childTnLst>
+                          </p:cTn>
+                        </p:par>
+                      </p:childTnLst>
+                    </p:cTn>
+                  </p:par>
+                </p:childTnLst>
+              </p:cTn>
+              <p:prevCondLst>
+                <p:cond evt="onPrev" delay="0">
+                  <p:tgtEl>
+                    <p:sldTgt/>
+                  </p:tgtEl>
+                </p:cond>
+              </p:prevCondLst>
+              <p:nextCondLst>
+                <p:cond evt="onNext" delay="0">
+                  <p:tgtEl>
+                    <p:sldTgt/>
+                  </p:tgtEl>
+                </p:cond>
+              </p:nextCondLst>
+            </p:seq>
+          </p:childTnLst>
+        </p:cTn>
+      </p:par>
+    </p:tnLst>
+  </p:timing>
 </p:sld>
 </file>
 
